--- a/Paper/Proj_I_Smart LPWAN Farm Midterm.pptx
+++ b/Paper/Proj_I_Smart LPWAN Farm Midterm.pptx
@@ -6192,8 +6192,8 @@
           <a:p>
             <a:r>
               <a:rPr lang="en-US" b="1" dirty="0">
-                <a:latin typeface="Angsana New" panose="02020603050405020304" pitchFamily="18" charset="-34"/>
-                <a:cs typeface="Angsana New" panose="02020603050405020304" pitchFamily="18" charset="-34"/>
+                <a:latin typeface="TH Sarabun New" panose="020B0500040200020003" pitchFamily="34" charset="-34"/>
+                <a:cs typeface="TH Sarabun New" panose="020B0500040200020003" pitchFamily="34" charset="-34"/>
               </a:rPr>
               <a:t>Smart LPWAN Farm</a:t>
             </a:r>
@@ -6248,32 +6248,32 @@
             <a:pPr algn="ctr"/>
             <a:r>
               <a:rPr lang="th-TH" sz="3200" b="1" dirty="0" smtClean="0">
-                <a:latin typeface="Layiji MaHaNiYom BAO 1.2" panose="02000000000000000000" pitchFamily="2" charset="0"/>
+                <a:latin typeface="TH Sarabun New" panose="020B0500040200020003" pitchFamily="34" charset="-34"/>
                 <a:ea typeface="Arial" charset="0"/>
-                <a:cs typeface="Layiji MaHaNiYom BAO 1.2" panose="02000000000000000000" pitchFamily="2" charset="0"/>
+                <a:cs typeface="TH Sarabun New" panose="020B0500040200020003" pitchFamily="34" charset="-34"/>
               </a:rPr>
               <a:t>จัดทำโดย นายเจษฎ</a:t>
             </a:r>
             <a:r>
               <a:rPr lang="th-TH" sz="3200" b="1" dirty="0">
-                <a:latin typeface="Layiji MaHaNiYom BAO 1.2" panose="02000000000000000000" pitchFamily="2" charset="0"/>
+                <a:latin typeface="TH Sarabun New" panose="020B0500040200020003" pitchFamily="34" charset="-34"/>
                 <a:ea typeface="Arial" charset="0"/>
-                <a:cs typeface="Layiji MaHaNiYom BAO 1.2" panose="02000000000000000000" pitchFamily="2" charset="0"/>
+                <a:cs typeface="TH Sarabun New" panose="020B0500040200020003" pitchFamily="34" charset="-34"/>
               </a:rPr>
               <a:t>า</a:t>
             </a:r>
             <a:r>
               <a:rPr lang="th-TH" sz="3200" b="1" dirty="0" smtClean="0">
-                <a:latin typeface="Layiji MaHaNiYom BAO 1.2" panose="02000000000000000000" pitchFamily="2" charset="0"/>
+                <a:latin typeface="TH Sarabun New" panose="020B0500040200020003" pitchFamily="34" charset="-34"/>
                 <a:ea typeface="Arial" charset="0"/>
-                <a:cs typeface="Layiji MaHaNiYom BAO 1.2" panose="02000000000000000000" pitchFamily="2" charset="0"/>
+                <a:cs typeface="TH Sarabun New" panose="020B0500040200020003" pitchFamily="34" charset="-34"/>
               </a:rPr>
               <a:t>กร เกิดหนู รหัสนักศึกษา 5835512119</a:t>
             </a:r>
             <a:endParaRPr lang="en-US" sz="3200" b="1" dirty="0" smtClean="0">
-              <a:latin typeface="Layiji MaHaNiYom BAO 1.2" panose="02000000000000000000" pitchFamily="2" charset="0"/>
+              <a:latin typeface="TH Sarabun New" panose="020B0500040200020003" pitchFamily="34" charset="-34"/>
               <a:ea typeface="Arial" charset="0"/>
-              <a:cs typeface="Layiji MaHaNiYom BAO 1.2" panose="02000000000000000000" pitchFamily="2" charset="0"/>
+              <a:cs typeface="TH Sarabun New" panose="020B0500040200020003" pitchFamily="34" charset="-34"/>
             </a:endParaRPr>
           </a:p>
         </p:txBody>
@@ -6442,14 +6442,14 @@
           <a:p>
             <a:r>
               <a:rPr lang="en-US" sz="4400" b="1" dirty="0" smtClean="0">
-                <a:latin typeface="Angsana New" panose="02020603050405020304" pitchFamily="18" charset="-34"/>
-                <a:cs typeface="Angsana New" panose="02020603050405020304" pitchFamily="18" charset="-34"/>
+                <a:latin typeface="TH Sarabun New" panose="020B0500040200020003" pitchFamily="34" charset="-34"/>
+                <a:cs typeface="TH Sarabun New" panose="020B0500040200020003" pitchFamily="34" charset="-34"/>
               </a:rPr>
               <a:t>Proxy Server</a:t>
             </a:r>
             <a:endParaRPr lang="en-US" sz="4400" b="1" dirty="0">
-              <a:latin typeface="Angsana New" panose="02020603050405020304" pitchFamily="18" charset="-34"/>
-              <a:cs typeface="Angsana New" panose="02020603050405020304" pitchFamily="18" charset="-34"/>
+              <a:latin typeface="TH Sarabun New" panose="020B0500040200020003" pitchFamily="34" charset="-34"/>
+              <a:cs typeface="TH Sarabun New" panose="020B0500040200020003" pitchFamily="34" charset="-34"/>
             </a:endParaRPr>
           </a:p>
         </p:txBody>
@@ -6998,56 +6998,51 @@
         </p:nvSpPr>
         <p:spPr/>
         <p:txBody>
+          <a:bodyPr>
+            <a:normAutofit/>
+          </a:bodyPr>
+          <a:lstStyle/>
+          <a:p>
+            <a:r>
+              <a:rPr lang="en-US" sz="4800" b="1" dirty="0" err="1" smtClean="0">
+                <a:latin typeface="TH Sarabun New" panose="020B0500040200020003" pitchFamily="34" charset="-34"/>
+                <a:cs typeface="TH Sarabun New" panose="020B0500040200020003" pitchFamily="34" charset="-34"/>
+              </a:rPr>
+              <a:t>Realtime</a:t>
+            </a:r>
+            <a:r>
+              <a:rPr lang="en-US" sz="4800" b="1" dirty="0" smtClean="0">
+                <a:latin typeface="TH Sarabun New" panose="020B0500040200020003" pitchFamily="34" charset="-34"/>
+                <a:cs typeface="TH Sarabun New" panose="020B0500040200020003" pitchFamily="34" charset="-34"/>
+              </a:rPr>
+              <a:t> graph</a:t>
+            </a:r>
+            <a:endParaRPr lang="en-US" sz="4800" b="1" dirty="0">
+              <a:latin typeface="TH Sarabun New" panose="020B0500040200020003" pitchFamily="34" charset="-34"/>
+              <a:cs typeface="TH Sarabun New" panose="020B0500040200020003" pitchFamily="34" charset="-34"/>
+            </a:endParaRPr>
+          </a:p>
+        </p:txBody>
+      </p:sp>
+      <p:sp>
+        <p:nvSpPr>
+          <p:cNvPr id="3" name="Content Placeholder 2"/>
+          <p:cNvSpPr>
+            <a:spLocks noGrp="1"/>
+          </p:cNvSpPr>
+          <p:nvPr>
+            <p:ph sz="quarter" idx="13"/>
+          </p:nvPr>
+        </p:nvSpPr>
+        <p:spPr/>
+        <p:txBody>
           <a:bodyPr/>
           <a:lstStyle/>
           <a:p>
-            <a:endParaRPr lang="en-US"/>
-          </a:p>
-        </p:txBody>
-      </p:sp>
-      <p:sp>
-        <p:nvSpPr>
-          <p:cNvPr id="3" name="Content Placeholder 2"/>
-          <p:cNvSpPr>
-            <a:spLocks noGrp="1"/>
-          </p:cNvSpPr>
-          <p:nvPr>
-            <p:ph sz="quarter" idx="13"/>
-          </p:nvPr>
-        </p:nvSpPr>
-        <p:spPr/>
-        <p:txBody>
-          <a:bodyPr/>
-          <a:lstStyle/>
-          <a:p>
-            <a:endParaRPr lang="en-US"/>
-          </a:p>
-        </p:txBody>
-      </p:sp>
-      <p:pic>
-        <p:nvPicPr>
-          <p:cNvPr id="4" name="Picture 3"/>
-          <p:cNvPicPr>
-            <a:picLocks noChangeAspect="1"/>
-          </p:cNvPicPr>
-          <p:nvPr/>
-        </p:nvPicPr>
-        <p:blipFill>
-          <a:blip r:embed="rId2"/>
-          <a:stretch>
-            <a:fillRect/>
-          </a:stretch>
-        </p:blipFill>
-        <p:spPr>
-          <a:xfrm>
-            <a:off x="196948" y="117509"/>
-            <a:ext cx="11718387" cy="6740491"/>
-          </a:xfrm>
-          <a:prstGeom prst="rect">
-            <a:avLst/>
-          </a:prstGeom>
-        </p:spPr>
-      </p:pic>
+            <a:endParaRPr lang="en-US" dirty="0"/>
+          </a:p>
+        </p:txBody>
+      </p:sp>
       <p:sp>
         <p:nvSpPr>
           <p:cNvPr id="5" name="Oval 4"/>
@@ -7160,6 +7155,30 @@
           </a:p>
         </p:txBody>
       </p:sp>
+      <p:pic>
+        <p:nvPicPr>
+          <p:cNvPr id="7" name="Picture 6"/>
+          <p:cNvPicPr>
+            <a:picLocks noChangeAspect="1"/>
+          </p:cNvPicPr>
+          <p:nvPr/>
+        </p:nvPicPr>
+        <p:blipFill>
+          <a:blip r:embed="rId2"/>
+          <a:stretch>
+            <a:fillRect/>
+          </a:stretch>
+        </p:blipFill>
+        <p:spPr>
+          <a:xfrm>
+            <a:off x="985911" y="2886488"/>
+            <a:ext cx="10291689" cy="2385313"/>
+          </a:xfrm>
+          <a:prstGeom prst="rect">
+            <a:avLst/>
+          </a:prstGeom>
+        </p:spPr>
+      </p:pic>
     </p:spTree>
     <p:extLst>
       <p:ext uri="{BB962C8B-B14F-4D97-AF65-F5344CB8AC3E}">
@@ -7215,109 +7234,19 @@
           <a:lstStyle/>
           <a:p>
             <a:r>
-              <a:rPr lang="en-US" sz="4400" b="1" dirty="0" smtClean="0">
-                <a:latin typeface="Angsana New" panose="02020603050405020304" pitchFamily="18" charset="-34"/>
-                <a:cs typeface="Angsana New" panose="02020603050405020304" pitchFamily="18" charset="-34"/>
+              <a:rPr lang="en-US" sz="6000" b="1" dirty="0" err="1" smtClean="0">
+                <a:latin typeface="TH Sarabun New" panose="020B0500040200020003" pitchFamily="34" charset="-34"/>
+                <a:cs typeface="TH Sarabun New" panose="020B0500040200020003" pitchFamily="34" charset="-34"/>
               </a:rPr>
-              <a:t>Proxy server</a:t>
-            </a:r>
-            <a:endParaRPr lang="en-US" sz="4400" b="1" dirty="0">
-              <a:latin typeface="Angsana New" panose="02020603050405020304" pitchFamily="18" charset="-34"/>
-              <a:cs typeface="Angsana New" panose="02020603050405020304" pitchFamily="18" charset="-34"/>
+              <a:t>Github</a:t>
+            </a:r>
+            <a:endParaRPr lang="en-US" sz="6000" b="1" dirty="0">
+              <a:latin typeface="TH Sarabun New" panose="020B0500040200020003" pitchFamily="34" charset="-34"/>
+              <a:cs typeface="TH Sarabun New" panose="020B0500040200020003" pitchFamily="34" charset="-34"/>
             </a:endParaRPr>
           </a:p>
         </p:txBody>
       </p:sp>
-      <p:pic>
-        <p:nvPicPr>
-          <p:cNvPr id="4" name="Picture 3"/>
-          <p:cNvPicPr>
-            <a:picLocks noChangeAspect="1"/>
-          </p:cNvPicPr>
-          <p:nvPr/>
-        </p:nvPicPr>
-        <p:blipFill rotWithShape="1">
-          <a:blip r:embed="rId2"/>
-          <a:srcRect r="61130" b="148"/>
-          <a:stretch/>
-        </p:blipFill>
-        <p:spPr>
-          <a:xfrm>
-            <a:off x="1288072" y="1976219"/>
-            <a:ext cx="3551213" cy="4747460"/>
-          </a:xfrm>
-          <a:prstGeom prst="rect">
-            <a:avLst/>
-          </a:prstGeom>
-          <a:ln>
-            <a:noFill/>
-          </a:ln>
-          <a:effectLst>
-            <a:outerShdw blurRad="107950" dist="12700" dir="5400000" algn="ctr">
-              <a:srgbClr val="000000"/>
-            </a:outerShdw>
-          </a:effectLst>
-          <a:scene3d>
-            <a:camera prst="orthographicFront">
-              <a:rot lat="0" lon="0" rev="0"/>
-            </a:camera>
-            <a:lightRig rig="soft" dir="t">
-              <a:rot lat="0" lon="0" rev="0"/>
-            </a:lightRig>
-          </a:scene3d>
-          <a:sp3d contourW="44450" prstMaterial="matte">
-            <a:bevelT w="63500" h="63500" prst="artDeco"/>
-            <a:contourClr>
-              <a:srgbClr val="FFFFFF"/>
-            </a:contourClr>
-          </a:sp3d>
-        </p:spPr>
-      </p:pic>
-      <p:pic>
-        <p:nvPicPr>
-          <p:cNvPr id="5" name="Picture 4"/>
-          <p:cNvPicPr>
-            <a:picLocks noChangeAspect="1"/>
-          </p:cNvPicPr>
-          <p:nvPr/>
-        </p:nvPicPr>
-        <p:blipFill rotWithShape="1">
-          <a:blip r:embed="rId3"/>
-          <a:srcRect l="1185" t="1777" r="63193" b="82651"/>
-          <a:stretch/>
-        </p:blipFill>
-        <p:spPr>
-          <a:xfrm>
-            <a:off x="5772443" y="2692995"/>
-            <a:ext cx="5673548" cy="3313909"/>
-          </a:xfrm>
-          <a:prstGeom prst="rect">
-            <a:avLst/>
-          </a:prstGeom>
-          <a:ln>
-            <a:noFill/>
-          </a:ln>
-          <a:effectLst>
-            <a:outerShdw blurRad="107950" dist="12700" dir="5400000" algn="ctr">
-              <a:srgbClr val="000000"/>
-            </a:outerShdw>
-          </a:effectLst>
-          <a:scene3d>
-            <a:camera prst="orthographicFront">
-              <a:rot lat="0" lon="0" rev="0"/>
-            </a:camera>
-            <a:lightRig rig="soft" dir="t">
-              <a:rot lat="0" lon="0" rev="0"/>
-            </a:lightRig>
-          </a:scene3d>
-          <a:sp3d contourW="44450" prstMaterial="matte">
-            <a:bevelT w="63500" h="63500" prst="artDeco"/>
-            <a:contourClr>
-              <a:srgbClr val="FFFFFF"/>
-            </a:contourClr>
-          </a:sp3d>
-        </p:spPr>
-      </p:pic>
       <p:sp>
         <p:nvSpPr>
           <p:cNvPr id="6" name="Oval 5"/>
@@ -7430,6 +7359,67 @@
           </a:p>
         </p:txBody>
       </p:sp>
+      <p:sp>
+        <p:nvSpPr>
+          <p:cNvPr id="3" name="Rectangle 2"/>
+          <p:cNvSpPr/>
+          <p:nvPr/>
+        </p:nvSpPr>
+        <p:spPr>
+          <a:xfrm>
+            <a:off x="3285711" y="5629196"/>
+            <a:ext cx="5620578" cy="369332"/>
+          </a:xfrm>
+          <a:prstGeom prst="rect">
+            <a:avLst/>
+          </a:prstGeom>
+        </p:spPr>
+        <p:txBody>
+          <a:bodyPr wrap="none">
+            <a:spAutoFit/>
+          </a:bodyPr>
+          <a:lstStyle/>
+          <a:p>
+            <a:r>
+              <a:rPr lang="en-US" dirty="0">
+                <a:hlinkClick r:id="rId2"/>
+              </a:rPr>
+              <a:t>https://github.com/fluke-jesadakorn/Smart_Farm_ALL_File</a:t>
+            </a:r>
+            <a:endParaRPr lang="en-US" dirty="0"/>
+          </a:p>
+        </p:txBody>
+      </p:sp>
+      <p:pic>
+        <p:nvPicPr>
+          <p:cNvPr id="8" name="Picture 7"/>
+          <p:cNvPicPr>
+            <a:picLocks noChangeAspect="1"/>
+          </p:cNvPicPr>
+          <p:nvPr/>
+        </p:nvPicPr>
+        <p:blipFill>
+          <a:blip r:embed="rId3">
+            <a:extLst>
+              <a:ext uri="{28A0092B-C50C-407E-A947-70E740481C1C}">
+                <a14:useLocalDpi xmlns:a14="http://schemas.microsoft.com/office/drawing/2010/main" val="0"/>
+              </a:ext>
+            </a:extLst>
+          </a:blip>
+          <a:stretch>
+            <a:fillRect/>
+          </a:stretch>
+        </p:blipFill>
+        <p:spPr>
+          <a:xfrm>
+            <a:off x="4667250" y="1790745"/>
+            <a:ext cx="2857500" cy="3552825"/>
+          </a:xfrm>
+          <a:prstGeom prst="rect">
+            <a:avLst/>
+          </a:prstGeom>
+        </p:spPr>
+      </p:pic>
     </p:spTree>
     <p:extLst>
       <p:ext uri="{BB962C8B-B14F-4D97-AF65-F5344CB8AC3E}">
@@ -7500,101 +7490,6 @@
       </p:sp>
       <p:sp>
         <p:nvSpPr>
-          <p:cNvPr id="6" name="Content Placeholder 5"/>
-          <p:cNvSpPr>
-            <a:spLocks noGrp="1"/>
-          </p:cNvSpPr>
-          <p:nvPr>
-            <p:ph sz="quarter" idx="13"/>
-          </p:nvPr>
-        </p:nvSpPr>
-        <p:spPr>
-          <a:xfrm>
-            <a:off x="913774" y="1820488"/>
-            <a:ext cx="10364452" cy="3970712"/>
-          </a:xfrm>
-        </p:spPr>
-        <p:txBody>
-          <a:bodyPr/>
-          <a:lstStyle/>
-          <a:p>
-            <a:r>
-              <a:rPr lang="en-US" dirty="0" smtClean="0"/>
-              <a:t>Life cycle react </a:t>
-            </a:r>
-            <a:r>
-              <a:rPr lang="th-TH" dirty="0" smtClean="0"/>
-              <a:t>กับระบบ </a:t>
-            </a:r>
-            <a:r>
-              <a:rPr lang="en-US" dirty="0" err="1" smtClean="0"/>
-              <a:t>socketio</a:t>
-            </a:r>
-            <a:r>
-              <a:rPr lang="en-US" dirty="0" smtClean="0"/>
-              <a:t> </a:t>
-            </a:r>
-            <a:r>
-              <a:rPr lang="th-TH" dirty="0" smtClean="0"/>
-              <a:t>อาจใช้งานด้วยกันยาก</a:t>
-            </a:r>
-          </a:p>
-          <a:p>
-            <a:r>
-              <a:rPr lang="th-TH" dirty="0" smtClean="0"/>
-              <a:t>การส่งข้อมูลจาก </a:t>
-            </a:r>
-            <a:r>
-              <a:rPr lang="en-US" dirty="0" smtClean="0"/>
-              <a:t>backend </a:t>
-            </a:r>
-            <a:r>
-              <a:rPr lang="th-TH" dirty="0" smtClean="0"/>
-              <a:t>ไปสู่ </a:t>
-            </a:r>
-            <a:r>
-              <a:rPr lang="en-US" dirty="0" err="1" smtClean="0"/>
-              <a:t>nb-iot</a:t>
-            </a:r>
-            <a:r>
-              <a:rPr lang="en-US" dirty="0" smtClean="0"/>
-              <a:t> </a:t>
-            </a:r>
-            <a:r>
-              <a:rPr lang="th-TH" dirty="0" smtClean="0"/>
-              <a:t>ต้องใช้</a:t>
-            </a:r>
-            <a:r>
-              <a:rPr lang="en-US" dirty="0" smtClean="0"/>
-              <a:t> buffer </a:t>
-            </a:r>
-            <a:r>
-              <a:rPr lang="th-TH" dirty="0" smtClean="0"/>
-              <a:t>ทำให้ต้องใช้ตัวอักษรสั้น ๆ เนื่องจากหน่วยความจำน้อย</a:t>
-            </a:r>
-          </a:p>
-          <a:p>
-            <a:r>
-              <a:rPr lang="th-TH" dirty="0" smtClean="0"/>
-              <a:t>มีปัญหาเรื่องระบบ </a:t>
-            </a:r>
-            <a:r>
-              <a:rPr lang="en-US" dirty="0" smtClean="0"/>
-              <a:t>firewall</a:t>
-            </a:r>
-            <a:endParaRPr lang="th-TH" dirty="0" smtClean="0"/>
-          </a:p>
-          <a:p>
-            <a:r>
-              <a:rPr lang="th-TH" dirty="0" smtClean="0"/>
-              <a:t>เรื่องพลังงานในช่วยแดดอ่อน</a:t>
-            </a:r>
-            <a:endParaRPr lang="en-US" dirty="0"/>
-          </a:p>
-        </p:txBody>
-      </p:sp>
-      <p:sp>
-        <p:nvSpPr>
           <p:cNvPr id="8" name="Oval 7"/>
           <p:cNvSpPr/>
           <p:nvPr/>
@@ -7662,6 +7557,185 @@
               <a:latin typeface="Arial Black" pitchFamily="34" charset="0"/>
               <a:ea typeface="+mn-ea"/>
               <a:cs typeface="+mn-cs"/>
+            </a:endParaRPr>
+          </a:p>
+        </p:txBody>
+      </p:sp>
+      <p:sp>
+        <p:nvSpPr>
+          <p:cNvPr id="6" name="Content Placeholder 5"/>
+          <p:cNvSpPr>
+            <a:spLocks noGrp="1"/>
+          </p:cNvSpPr>
+          <p:nvPr>
+            <p:ph sz="quarter" idx="13"/>
+          </p:nvPr>
+        </p:nvSpPr>
+        <p:spPr>
+          <a:xfrm>
+            <a:off x="913774" y="1820488"/>
+            <a:ext cx="10364452" cy="3970712"/>
+          </a:xfrm>
+        </p:spPr>
+        <p:txBody>
+          <a:bodyPr>
+            <a:normAutofit/>
+          </a:bodyPr>
+          <a:lstStyle/>
+          <a:p>
+            <a:r>
+              <a:rPr lang="en-US" sz="3600" dirty="0" smtClean="0">
+                <a:latin typeface="TH Sarabun New" panose="020B0500040200020003" pitchFamily="34" charset="-34"/>
+                <a:cs typeface="TH Sarabun New" panose="020B0500040200020003" pitchFamily="34" charset="-34"/>
+              </a:rPr>
+              <a:t>Life cycle react </a:t>
+            </a:r>
+            <a:r>
+              <a:rPr lang="th-TH" sz="3600" dirty="0" smtClean="0">
+                <a:latin typeface="TH Sarabun New" panose="020B0500040200020003" pitchFamily="34" charset="-34"/>
+                <a:cs typeface="TH Sarabun New" panose="020B0500040200020003" pitchFamily="34" charset="-34"/>
+              </a:rPr>
+              <a:t>กับระบบ </a:t>
+            </a:r>
+            <a:r>
+              <a:rPr lang="en-US" sz="3600" dirty="0" err="1" smtClean="0">
+                <a:latin typeface="TH Sarabun New" panose="020B0500040200020003" pitchFamily="34" charset="-34"/>
+                <a:cs typeface="TH Sarabun New" panose="020B0500040200020003" pitchFamily="34" charset="-34"/>
+              </a:rPr>
+              <a:t>socketio</a:t>
+            </a:r>
+            <a:r>
+              <a:rPr lang="en-US" sz="3600" dirty="0" smtClean="0">
+                <a:latin typeface="TH Sarabun New" panose="020B0500040200020003" pitchFamily="34" charset="-34"/>
+                <a:cs typeface="TH Sarabun New" panose="020B0500040200020003" pitchFamily="34" charset="-34"/>
+              </a:rPr>
+              <a:t> </a:t>
+            </a:r>
+            <a:r>
+              <a:rPr lang="th-TH" sz="3600" dirty="0" smtClean="0">
+                <a:latin typeface="TH Sarabun New" panose="020B0500040200020003" pitchFamily="34" charset="-34"/>
+                <a:cs typeface="TH Sarabun New" panose="020B0500040200020003" pitchFamily="34" charset="-34"/>
+              </a:rPr>
+              <a:t>อาจใช้งานด้วยกันยาก</a:t>
+            </a:r>
+          </a:p>
+          <a:p>
+            <a:r>
+              <a:rPr lang="th-TH" sz="3600" dirty="0" smtClean="0">
+                <a:latin typeface="TH Sarabun New" panose="020B0500040200020003" pitchFamily="34" charset="-34"/>
+                <a:cs typeface="TH Sarabun New" panose="020B0500040200020003" pitchFamily="34" charset="-34"/>
+              </a:rPr>
+              <a:t>การส่งข้อมูลจาก </a:t>
+            </a:r>
+            <a:r>
+              <a:rPr lang="en-US" sz="3600" dirty="0" smtClean="0">
+                <a:latin typeface="TH Sarabun New" panose="020B0500040200020003" pitchFamily="34" charset="-34"/>
+                <a:cs typeface="TH Sarabun New" panose="020B0500040200020003" pitchFamily="34" charset="-34"/>
+              </a:rPr>
+              <a:t>backend </a:t>
+            </a:r>
+            <a:r>
+              <a:rPr lang="th-TH" sz="3600" dirty="0" smtClean="0">
+                <a:latin typeface="TH Sarabun New" panose="020B0500040200020003" pitchFamily="34" charset="-34"/>
+                <a:cs typeface="TH Sarabun New" panose="020B0500040200020003" pitchFamily="34" charset="-34"/>
+              </a:rPr>
+              <a:t>ไปสู่ </a:t>
+            </a:r>
+            <a:r>
+              <a:rPr lang="en-US" sz="3600" dirty="0" err="1" smtClean="0">
+                <a:latin typeface="TH Sarabun New" panose="020B0500040200020003" pitchFamily="34" charset="-34"/>
+                <a:cs typeface="TH Sarabun New" panose="020B0500040200020003" pitchFamily="34" charset="-34"/>
+              </a:rPr>
+              <a:t>nb-iot</a:t>
+            </a:r>
+            <a:r>
+              <a:rPr lang="en-US" sz="3600" dirty="0" smtClean="0">
+                <a:latin typeface="TH Sarabun New" panose="020B0500040200020003" pitchFamily="34" charset="-34"/>
+                <a:cs typeface="TH Sarabun New" panose="020B0500040200020003" pitchFamily="34" charset="-34"/>
+              </a:rPr>
+              <a:t> </a:t>
+            </a:r>
+            <a:r>
+              <a:rPr lang="th-TH" sz="3600" dirty="0" smtClean="0">
+                <a:latin typeface="TH Sarabun New" panose="020B0500040200020003" pitchFamily="34" charset="-34"/>
+                <a:cs typeface="TH Sarabun New" panose="020B0500040200020003" pitchFamily="34" charset="-34"/>
+              </a:rPr>
+              <a:t>ต้องใช้</a:t>
+            </a:r>
+            <a:r>
+              <a:rPr lang="en-US" sz="3600" dirty="0" smtClean="0">
+                <a:latin typeface="TH Sarabun New" panose="020B0500040200020003" pitchFamily="34" charset="-34"/>
+                <a:cs typeface="TH Sarabun New" panose="020B0500040200020003" pitchFamily="34" charset="-34"/>
+              </a:rPr>
+              <a:t> buffer </a:t>
+            </a:r>
+            <a:r>
+              <a:rPr lang="th-TH" sz="3600" dirty="0" smtClean="0">
+                <a:latin typeface="TH Sarabun New" panose="020B0500040200020003" pitchFamily="34" charset="-34"/>
+                <a:cs typeface="TH Sarabun New" panose="020B0500040200020003" pitchFamily="34" charset="-34"/>
+              </a:rPr>
+              <a:t>ทำให้ต้องใช้ตัวอักษรสั้น ๆ เนื่องจากหน่วยความจำน้อย</a:t>
+            </a:r>
+          </a:p>
+          <a:p>
+            <a:r>
+              <a:rPr lang="th-TH" sz="3600" dirty="0" smtClean="0">
+                <a:latin typeface="TH Sarabun New" panose="020B0500040200020003" pitchFamily="34" charset="-34"/>
+                <a:cs typeface="TH Sarabun New" panose="020B0500040200020003" pitchFamily="34" charset="-34"/>
+              </a:rPr>
+              <a:t>มีปัญหาเรื่องระบบ </a:t>
+            </a:r>
+            <a:r>
+              <a:rPr lang="en-US" sz="3600" dirty="0" smtClean="0">
+                <a:latin typeface="TH Sarabun New" panose="020B0500040200020003" pitchFamily="34" charset="-34"/>
+                <a:cs typeface="TH Sarabun New" panose="020B0500040200020003" pitchFamily="34" charset="-34"/>
+              </a:rPr>
+              <a:t>firewall</a:t>
+            </a:r>
+            <a:endParaRPr lang="th-TH" sz="3600" dirty="0" smtClean="0">
+              <a:latin typeface="TH Sarabun New" panose="020B0500040200020003" pitchFamily="34" charset="-34"/>
+              <a:cs typeface="TH Sarabun New" panose="020B0500040200020003" pitchFamily="34" charset="-34"/>
+            </a:endParaRPr>
+          </a:p>
+          <a:p>
+            <a:r>
+              <a:rPr lang="th-TH" sz="3600" dirty="0" smtClean="0">
+                <a:latin typeface="TH Sarabun New" panose="020B0500040200020003" pitchFamily="34" charset="-34"/>
+                <a:cs typeface="TH Sarabun New" panose="020B0500040200020003" pitchFamily="34" charset="-34"/>
+              </a:rPr>
+              <a:t>เรื่องพลังงาน</a:t>
+            </a:r>
+            <a:r>
+              <a:rPr lang="th-TH" sz="3600" dirty="0" smtClean="0">
+                <a:latin typeface="TH Sarabun New" panose="020B0500040200020003" pitchFamily="34" charset="-34"/>
+                <a:cs typeface="TH Sarabun New" panose="020B0500040200020003" pitchFamily="34" charset="-34"/>
+              </a:rPr>
+              <a:t>ในช่ว</a:t>
+            </a:r>
+            <a:r>
+              <a:rPr lang="en-US" sz="3600" dirty="0" smtClean="0">
+                <a:latin typeface="TH Sarabun New" panose="020B0500040200020003" pitchFamily="34" charset="-34"/>
+                <a:cs typeface="TH Sarabun New" panose="020B0500040200020003" pitchFamily="34" charset="-34"/>
+              </a:rPr>
+              <a:t>’</a:t>
+            </a:r>
+            <a:r>
+              <a:rPr lang="th-TH" sz="3600" dirty="0" smtClean="0">
+                <a:latin typeface="TH Sarabun New" panose="020B0500040200020003" pitchFamily="34" charset="-34"/>
+                <a:cs typeface="TH Sarabun New" panose="020B0500040200020003" pitchFamily="34" charset="-34"/>
+              </a:rPr>
+              <a:t>แดด</a:t>
+            </a:r>
+            <a:r>
+              <a:rPr lang="th-TH" sz="3600" dirty="0" smtClean="0">
+                <a:latin typeface="TH Sarabun New" panose="020B0500040200020003" pitchFamily="34" charset="-34"/>
+                <a:cs typeface="TH Sarabun New" panose="020B0500040200020003" pitchFamily="34" charset="-34"/>
+              </a:rPr>
+              <a:t>อ่อน</a:t>
+            </a:r>
+            <a:endParaRPr lang="en-US" sz="3600" dirty="0">
+              <a:latin typeface="TH Sarabun New" panose="020B0500040200020003" pitchFamily="34" charset="-34"/>
+              <a:cs typeface="TH Sarabun New" panose="020B0500040200020003" pitchFamily="34" charset="-34"/>
             </a:endParaRPr>
           </a:p>
         </p:txBody>
@@ -7760,14 +7834,23 @@
           <a:lstStyle/>
           <a:p>
             <a:r>
-              <a:rPr lang="th-TH" sz="4400" b="1" dirty="0"/>
+              <a:rPr lang="th-TH" sz="4400" b="1" dirty="0">
+                <a:latin typeface="TH Sarabun New" panose="020B0500040200020003" pitchFamily="34" charset="-34"/>
+                <a:cs typeface="TH Sarabun New" panose="020B0500040200020003" pitchFamily="34" charset="-34"/>
+              </a:rPr>
               <a:t>เป้าหมายที่คาดว่าจะ</a:t>
             </a:r>
             <a:r>
-              <a:rPr lang="th-TH" sz="4400" b="1" dirty="0" smtClean="0"/>
+              <a:rPr lang="th-TH" sz="4400" b="1" dirty="0" smtClean="0">
+                <a:latin typeface="TH Sarabun New" panose="020B0500040200020003" pitchFamily="34" charset="-34"/>
+                <a:cs typeface="TH Sarabun New" panose="020B0500040200020003" pitchFamily="34" charset="-34"/>
+              </a:rPr>
               <a:t>ดำเนินการต่อ</a:t>
             </a:r>
-            <a:endParaRPr lang="en-US" sz="4400" b="1" dirty="0"/>
+            <a:endParaRPr lang="en-US" sz="4400" b="1" dirty="0">
+              <a:latin typeface="TH Sarabun New" panose="020B0500040200020003" pitchFamily="34" charset="-34"/>
+              <a:cs typeface="TH Sarabun New" panose="020B0500040200020003" pitchFamily="34" charset="-34"/>
+            </a:endParaRPr>
           </a:p>
         </p:txBody>
       </p:sp>
@@ -7787,70 +7870,84 @@
           <a:lstStyle/>
           <a:p>
             <a:r>
-              <a:rPr lang="th-TH" sz="3600" dirty="0" smtClean="0"/>
+              <a:rPr lang="th-TH" sz="3600" dirty="0" smtClean="0">
+                <a:latin typeface="TH Sarabun New" panose="020B0500040200020003" pitchFamily="34" charset="-34"/>
+                <a:cs typeface="TH Sarabun New" panose="020B0500040200020003" pitchFamily="34" charset="-34"/>
+              </a:rPr>
               <a:t>มีความง่ายต่อการใช้งาน</a:t>
             </a:r>
-            <a:endParaRPr lang="th-TH" sz="3600" dirty="0" smtClean="0"/>
-          </a:p>
-          <a:p>
-            <a:r>
-              <a:rPr lang="th-TH" sz="3600" dirty="0"/>
+          </a:p>
+          <a:p>
+            <a:r>
+              <a:rPr lang="th-TH" sz="3600" dirty="0" smtClean="0">
+                <a:latin typeface="TH Sarabun New" panose="020B0500040200020003" pitchFamily="34" charset="-34"/>
+                <a:cs typeface="TH Sarabun New" panose="020B0500040200020003" pitchFamily="34" charset="-34"/>
+              </a:rPr>
               <a:t>ทำหน้า </a:t>
             </a:r>
             <a:r>
-              <a:rPr lang="en-US" sz="3600" dirty="0" smtClean="0"/>
-              <a:t>UX/</a:t>
-            </a:r>
-            <a:r>
               <a:rPr lang="en-US" sz="3600" dirty="0" smtClean="0">
-                <a:latin typeface="Angsana New" panose="02020603050405020304" pitchFamily="18" charset="-34"/>
-                <a:cs typeface="Angsana New" panose="02020603050405020304" pitchFamily="18" charset="-34"/>
+                <a:latin typeface="TH Sarabun New" panose="020B0500040200020003" pitchFamily="34" charset="-34"/>
+                <a:cs typeface="TH Sarabun New" panose="020B0500040200020003" pitchFamily="34" charset="-34"/>
               </a:rPr>
-              <a:t>UI</a:t>
+              <a:t>UX/UI</a:t>
             </a:r>
             <a:r>
               <a:rPr lang="th-TH" sz="3600" dirty="0" smtClean="0">
-                <a:latin typeface="Angsana New" panose="02020603050405020304" pitchFamily="18" charset="-34"/>
-                <a:cs typeface="Angsana New" panose="02020603050405020304" pitchFamily="18" charset="-34"/>
+                <a:latin typeface="TH Sarabun New" panose="020B0500040200020003" pitchFamily="34" charset="-34"/>
+                <a:cs typeface="TH Sarabun New" panose="020B0500040200020003" pitchFamily="34" charset="-34"/>
               </a:rPr>
-              <a:t> </a:t>
-            </a:r>
-            <a:r>
-              <a:rPr lang="th-TH" sz="3600" dirty="0">
-                <a:latin typeface="Angsana New" panose="02020603050405020304" pitchFamily="18" charset="-34"/>
-                <a:cs typeface="Angsana New" panose="02020603050405020304" pitchFamily="18" charset="-34"/>
+              <a:t> ให้สวยงาม</a:t>
+            </a:r>
+          </a:p>
+          <a:p>
+            <a:r>
+              <a:rPr lang="th-TH" sz="3600" dirty="0" smtClean="0">
+                <a:latin typeface="TH Sarabun New" panose="020B0500040200020003" pitchFamily="34" charset="-34"/>
+                <a:cs typeface="TH Sarabun New" panose="020B0500040200020003" pitchFamily="34" charset="-34"/>
               </a:rPr>
-              <a:t>ให้สวยงาม</a:t>
-            </a:r>
-          </a:p>
-          <a:p>
-            <a:r>
-              <a:rPr lang="th-TH" sz="3600" dirty="0" smtClean="0"/>
               <a:t>เชื่อมต่อและใช้คำสั่งต่าง ๆ ในแอพพลิเคชั่นมากขึ้น</a:t>
             </a:r>
-            <a:endParaRPr lang="en-US" sz="3600" dirty="0" smtClean="0"/>
-          </a:p>
-          <a:p>
-            <a:r>
-              <a:rPr lang="th-TH" sz="3600" dirty="0" smtClean="0"/>
+            <a:endParaRPr lang="en-US" sz="3600" dirty="0" smtClean="0">
+              <a:latin typeface="TH Sarabun New" panose="020B0500040200020003" pitchFamily="34" charset="-34"/>
+              <a:cs typeface="TH Sarabun New" panose="020B0500040200020003" pitchFamily="34" charset="-34"/>
+            </a:endParaRPr>
+          </a:p>
+          <a:p>
+            <a:r>
+              <a:rPr lang="th-TH" sz="3600" dirty="0" smtClean="0">
+                <a:latin typeface="TH Sarabun New" panose="020B0500040200020003" pitchFamily="34" charset="-34"/>
+                <a:cs typeface="TH Sarabun New" panose="020B0500040200020003" pitchFamily="34" charset="-34"/>
+              </a:rPr>
               <a:t>นำ </a:t>
             </a:r>
             <a:r>
-              <a:rPr lang="en-US" sz="3600" dirty="0" err="1" smtClean="0"/>
+              <a:rPr lang="en-US" sz="3600" dirty="0" err="1" smtClean="0">
+                <a:latin typeface="TH Sarabun New" panose="020B0500040200020003" pitchFamily="34" charset="-34"/>
+                <a:cs typeface="TH Sarabun New" panose="020B0500040200020003" pitchFamily="34" charset="-34"/>
+              </a:rPr>
               <a:t>Machiene</a:t>
             </a:r>
             <a:r>
-              <a:rPr lang="en-US" sz="3600" dirty="0" smtClean="0"/>
+              <a:rPr lang="en-US" sz="3600" dirty="0" smtClean="0">
+                <a:latin typeface="TH Sarabun New" panose="020B0500040200020003" pitchFamily="34" charset="-34"/>
+                <a:cs typeface="TH Sarabun New" panose="020B0500040200020003" pitchFamily="34" charset="-34"/>
+              </a:rPr>
               <a:t> learning </a:t>
             </a:r>
             <a:r>
-              <a:rPr lang="th-TH" sz="3600" dirty="0" smtClean="0"/>
+              <a:rPr lang="th-TH" sz="3600" dirty="0" smtClean="0">
+                <a:latin typeface="TH Sarabun New" panose="020B0500040200020003" pitchFamily="34" charset="-34"/>
+                <a:cs typeface="TH Sarabun New" panose="020B0500040200020003" pitchFamily="34" charset="-34"/>
+              </a:rPr>
               <a:t>มาใช้งาน</a:t>
             </a:r>
-            <a:endParaRPr lang="th-TH" sz="3600" dirty="0" smtClean="0"/>
-          </a:p>
-          <a:p>
-            <a:endParaRPr lang="en-US" dirty="0"/>
+          </a:p>
+          <a:p>
+            <a:endParaRPr lang="en-US" dirty="0">
+              <a:latin typeface="TH Sarabun New" panose="020B0500040200020003" pitchFamily="34" charset="-34"/>
+              <a:cs typeface="TH Sarabun New" panose="020B0500040200020003" pitchFamily="34" charset="-34"/>
+            </a:endParaRPr>
           </a:p>
         </p:txBody>
       </p:sp>
@@ -8021,14 +8118,23 @@
           <a:lstStyle/>
           <a:p>
             <a:r>
-              <a:rPr lang="th-TH" sz="4400" b="1" dirty="0"/>
+              <a:rPr lang="th-TH" sz="4400" b="1" dirty="0">
+                <a:latin typeface="TH Sarabun New" panose="020B0500040200020003" pitchFamily="34" charset="-34"/>
+                <a:cs typeface="TH Sarabun New" panose="020B0500040200020003" pitchFamily="34" charset="-34"/>
+              </a:rPr>
               <a:t>สรุปผลการทำ</a:t>
             </a:r>
             <a:r>
-              <a:rPr lang="th-TH" sz="4400" b="1" dirty="0" smtClean="0"/>
+              <a:rPr lang="th-TH" sz="4400" b="1" dirty="0" smtClean="0">
+                <a:latin typeface="TH Sarabun New" panose="020B0500040200020003" pitchFamily="34" charset="-34"/>
+                <a:cs typeface="TH Sarabun New" panose="020B0500040200020003" pitchFamily="34" charset="-34"/>
+              </a:rPr>
               <a:t>โครงงาน</a:t>
             </a:r>
-            <a:endParaRPr lang="en-US" sz="4400" b="1" dirty="0"/>
+            <a:endParaRPr lang="en-US" sz="4400" b="1" dirty="0">
+              <a:latin typeface="TH Sarabun New" panose="020B0500040200020003" pitchFamily="34" charset="-34"/>
+              <a:cs typeface="TH Sarabun New" panose="020B0500040200020003" pitchFamily="34" charset="-34"/>
+            </a:endParaRPr>
           </a:p>
         </p:txBody>
       </p:sp>
@@ -8049,46 +8155,46 @@
           <a:p>
             <a:r>
               <a:rPr lang="th-TH" sz="3200" dirty="0" smtClean="0">
-                <a:latin typeface="Angsana New" panose="02020603050405020304" pitchFamily="18" charset="-34"/>
-                <a:cs typeface="Angsana New" panose="02020603050405020304" pitchFamily="18" charset="-34"/>
+                <a:latin typeface="TH Sarabun New" panose="020B0500040200020003" pitchFamily="34" charset="-34"/>
+                <a:cs typeface="TH Sarabun New" panose="020B0500040200020003" pitchFamily="34" charset="-34"/>
               </a:rPr>
               <a:t>มีระบบที่เป็นพื้นฐานเขียนเองทำให้ง่ายต่อการปรับแต่ง</a:t>
             </a:r>
-            <a:endParaRPr lang="th-TH" sz="3200" dirty="0" smtClean="0">
-              <a:latin typeface="Angsana New" panose="02020603050405020304" pitchFamily="18" charset="-34"/>
-              <a:cs typeface="Angsana New" panose="02020603050405020304" pitchFamily="18" charset="-34"/>
-            </a:endParaRPr>
           </a:p>
           <a:p>
             <a:r>
               <a:rPr lang="th-TH" sz="3200" dirty="0" smtClean="0">
-                <a:latin typeface="Angsana New" panose="02020603050405020304" pitchFamily="18" charset="-34"/>
-                <a:cs typeface="Angsana New" panose="02020603050405020304" pitchFamily="18" charset="-34"/>
+                <a:latin typeface="TH Sarabun New" panose="020B0500040200020003" pitchFamily="34" charset="-34"/>
+                <a:cs typeface="TH Sarabun New" panose="020B0500040200020003" pitchFamily="34" charset="-34"/>
                 <a:sym typeface="Wingdings" panose="05000000000000000000" pitchFamily="2" charset="2"/>
               </a:rPr>
               <a:t>ออกแบบหน้าตาการใช้งานคร่าว ๆ</a:t>
             </a:r>
             <a:endParaRPr lang="en-US" sz="3200" dirty="0" smtClean="0">
-              <a:latin typeface="Angsana New" panose="02020603050405020304" pitchFamily="18" charset="-34"/>
-              <a:cs typeface="Angsana New" panose="02020603050405020304" pitchFamily="18" charset="-34"/>
+              <a:latin typeface="TH Sarabun New" panose="020B0500040200020003" pitchFamily="34" charset="-34"/>
+              <a:cs typeface="TH Sarabun New" panose="020B0500040200020003" pitchFamily="34" charset="-34"/>
               <a:sym typeface="Wingdings" panose="05000000000000000000" pitchFamily="2" charset="2"/>
             </a:endParaRPr>
           </a:p>
           <a:p>
             <a:r>
               <a:rPr lang="th-TH" sz="3200" dirty="0" smtClean="0">
-                <a:latin typeface="Angsana New" panose="02020603050405020304" pitchFamily="18" charset="-34"/>
-                <a:cs typeface="Angsana New" panose="02020603050405020304" pitchFamily="18" charset="-34"/>
+                <a:latin typeface="TH Sarabun New" panose="020B0500040200020003" pitchFamily="34" charset="-34"/>
+                <a:cs typeface="TH Sarabun New" panose="020B0500040200020003" pitchFamily="34" charset="-34"/>
               </a:rPr>
               <a:t>จัดทำโมเดลกล่อง</a:t>
             </a:r>
             <a:r>
               <a:rPr lang="th-TH" sz="3200" dirty="0" smtClean="0">
-                <a:latin typeface="Angsana New" panose="02020603050405020304" pitchFamily="18" charset="-34"/>
-                <a:cs typeface="Angsana New" panose="02020603050405020304" pitchFamily="18" charset="-34"/>
+                <a:latin typeface="TH Sarabun New" panose="020B0500040200020003" pitchFamily="34" charset="-34"/>
+                <a:cs typeface="TH Sarabun New" panose="020B0500040200020003" pitchFamily="34" charset="-34"/>
               </a:rPr>
               <a:t>แบบ</a:t>
             </a:r>
+            <a:endParaRPr lang="th-TH" sz="3200" dirty="0" smtClean="0">
+              <a:latin typeface="TH Sarabun New" panose="020B0500040200020003" pitchFamily="34" charset="-34"/>
+              <a:cs typeface="TH Sarabun New" panose="020B0500040200020003" pitchFamily="34" charset="-34"/>
+            </a:endParaRPr>
           </a:p>
         </p:txBody>
       </p:sp>
@@ -8265,14 +8371,14 @@
           <a:p>
             <a:r>
               <a:rPr lang="th-TH" sz="2400" b="1" dirty="0" smtClean="0">
-                <a:latin typeface="Layiji MaHaNiYom BAO 1.2" panose="02000000000000000000" pitchFamily="2" charset="0"/>
-                <a:cs typeface="Layiji MaHaNiYom BAO 1.2" panose="02000000000000000000" pitchFamily="2" charset="0"/>
+                <a:latin typeface="TH Sarabun New" panose="020B0500040200020003" pitchFamily="34" charset="-34"/>
+                <a:cs typeface="TH Sarabun New" panose="020B0500040200020003" pitchFamily="34" charset="-34"/>
               </a:rPr>
               <a:t>ภาควิชาวิศวกรรมคอมพิวเตอร์ คณะวิศวกรรมศาสตร์ มหาวิทยาลับสงขลานครินทร์ วิทยาเขตภูเก็ต</a:t>
             </a:r>
             <a:endParaRPr lang="en-US" sz="2400" b="1" dirty="0">
-              <a:latin typeface="Layiji MaHaNiYom BAO 1.2" panose="02000000000000000000" pitchFamily="2" charset="0"/>
-              <a:cs typeface="Layiji MaHaNiYom BAO 1.2" panose="02000000000000000000" pitchFamily="2" charset="0"/>
+              <a:latin typeface="TH Sarabun New" panose="020B0500040200020003" pitchFamily="34" charset="-34"/>
+              <a:cs typeface="TH Sarabun New" panose="020B0500040200020003" pitchFamily="34" charset="-34"/>
             </a:endParaRPr>
           </a:p>
         </p:txBody>
@@ -8299,22 +8405,22 @@
             </a:pPr>
             <a:r>
               <a:rPr lang="th-TH" sz="4800" b="1" dirty="0" smtClean="0">
-                <a:latin typeface="Angsana New" panose="02020603050405020304" pitchFamily="18" charset="-34"/>
-                <a:cs typeface="Angsana New" panose="02020603050405020304" pitchFamily="18" charset="-34"/>
+                <a:latin typeface="TH Sarabun New" panose="020B0500040200020003" pitchFamily="34" charset="-34"/>
+                <a:cs typeface="TH Sarabun New" panose="020B0500040200020003" pitchFamily="34" charset="-34"/>
               </a:rPr>
               <a:t>นายเจษฎ</a:t>
             </a:r>
             <a:r>
               <a:rPr lang="th-TH" sz="4800" b="1" dirty="0">
-                <a:latin typeface="Angsana New" panose="02020603050405020304" pitchFamily="18" charset="-34"/>
-                <a:cs typeface="Angsana New" panose="02020603050405020304" pitchFamily="18" charset="-34"/>
+                <a:latin typeface="TH Sarabun New" panose="020B0500040200020003" pitchFamily="34" charset="-34"/>
+                <a:cs typeface="TH Sarabun New" panose="020B0500040200020003" pitchFamily="34" charset="-34"/>
               </a:rPr>
               <a:t>า</a:t>
             </a:r>
             <a:r>
               <a:rPr lang="th-TH" sz="4800" b="1" dirty="0" smtClean="0">
-                <a:latin typeface="Angsana New" panose="02020603050405020304" pitchFamily="18" charset="-34"/>
-                <a:cs typeface="Angsana New" panose="02020603050405020304" pitchFamily="18" charset="-34"/>
+                <a:latin typeface="TH Sarabun New" panose="020B0500040200020003" pitchFamily="34" charset="-34"/>
+                <a:cs typeface="TH Sarabun New" panose="020B0500040200020003" pitchFamily="34" charset="-34"/>
               </a:rPr>
               <a:t>กร เกิดหนู</a:t>
             </a:r>
@@ -8325,14 +8431,14 @@
             </a:pPr>
             <a:r>
               <a:rPr lang="th-TH" sz="4800" b="1" dirty="0" smtClean="0">
-                <a:latin typeface="Angsana New" panose="02020603050405020304" pitchFamily="18" charset="-34"/>
-                <a:cs typeface="Angsana New" panose="02020603050405020304" pitchFamily="18" charset="-34"/>
+                <a:latin typeface="TH Sarabun New" panose="020B0500040200020003" pitchFamily="34" charset="-34"/>
+                <a:cs typeface="TH Sarabun New" panose="020B0500040200020003" pitchFamily="34" charset="-34"/>
               </a:rPr>
               <a:t>5835512119</a:t>
             </a:r>
             <a:endParaRPr lang="th-TH" sz="4800" b="1" dirty="0">
-              <a:latin typeface="Angsana New" panose="02020603050405020304" pitchFamily="18" charset="-34"/>
-              <a:cs typeface="Angsana New" panose="02020603050405020304" pitchFamily="18" charset="-34"/>
+              <a:latin typeface="TH Sarabun New" panose="020B0500040200020003" pitchFamily="34" charset="-34"/>
+              <a:cs typeface="TH Sarabun New" panose="020B0500040200020003" pitchFamily="34" charset="-34"/>
             </a:endParaRPr>
           </a:p>
         </p:txBody>
@@ -8504,10 +8610,16 @@
           <a:lstStyle/>
           <a:p>
             <a:r>
-              <a:rPr lang="th-TH" sz="5400" b="1" dirty="0" smtClean="0"/>
+              <a:rPr lang="th-TH" sz="5400" b="1" dirty="0" smtClean="0">
+                <a:latin typeface="TH Sarabun New" panose="020B0500040200020003" pitchFamily="34" charset="-34"/>
+                <a:cs typeface="TH Sarabun New" panose="020B0500040200020003" pitchFamily="34" charset="-34"/>
+              </a:rPr>
               <a:t>หัวข้อการนำเสนอ</a:t>
             </a:r>
-            <a:endParaRPr lang="en-US" sz="5400" b="1" dirty="0"/>
+            <a:endParaRPr lang="en-US" sz="5400" b="1" dirty="0">
+              <a:latin typeface="TH Sarabun New" panose="020B0500040200020003" pitchFamily="34" charset="-34"/>
+              <a:cs typeface="TH Sarabun New" panose="020B0500040200020003" pitchFamily="34" charset="-34"/>
+            </a:endParaRPr>
           </a:p>
         </p:txBody>
       </p:sp>
@@ -8659,19 +8771,28 @@
           <a:lstStyle/>
           <a:p>
             <a:r>
-              <a:rPr lang="th-TH" sz="4000" dirty="0" smtClean="0"/>
+              <a:rPr lang="th-TH" sz="4000" dirty="0" smtClean="0">
+                <a:latin typeface="TH Sarabun New" panose="020B0500040200020003" pitchFamily="34" charset="-34"/>
+                <a:cs typeface="TH Sarabun New" panose="020B0500040200020003" pitchFamily="34" charset="-34"/>
+              </a:rPr>
               <a:t>รายละเอียดการดำเนินงาน</a:t>
             </a:r>
           </a:p>
           <a:p>
             <a:r>
-              <a:rPr lang="th-TH" sz="4000" dirty="0" smtClean="0"/>
+              <a:rPr lang="th-TH" sz="4000" dirty="0" smtClean="0">
+                <a:latin typeface="TH Sarabun New" panose="020B0500040200020003" pitchFamily="34" charset="-34"/>
+                <a:cs typeface="TH Sarabun New" panose="020B0500040200020003" pitchFamily="34" charset="-34"/>
+              </a:rPr>
               <a:t>เป้าหมายที่คาดว่าจะดำเนินการ</a:t>
             </a:r>
           </a:p>
           <a:p>
             <a:r>
-              <a:rPr lang="th-TH" sz="4000" dirty="0" smtClean="0"/>
+              <a:rPr lang="th-TH" sz="4000" dirty="0" smtClean="0">
+                <a:latin typeface="TH Sarabun New" panose="020B0500040200020003" pitchFamily="34" charset="-34"/>
+                <a:cs typeface="TH Sarabun New" panose="020B0500040200020003" pitchFamily="34" charset="-34"/>
+              </a:rPr>
               <a:t>สรุปผลการทำโครงงาน</a:t>
             </a:r>
           </a:p>
@@ -8737,14 +8858,23 @@
           <a:lstStyle/>
           <a:p>
             <a:r>
-              <a:rPr lang="th-TH" sz="5400" b="1" dirty="0"/>
+              <a:rPr lang="th-TH" sz="5400" b="1" dirty="0">
+                <a:latin typeface="TH Sarabun New" panose="020B0500040200020003" pitchFamily="34" charset="-34"/>
+                <a:cs typeface="TH Sarabun New" panose="020B0500040200020003" pitchFamily="34" charset="-34"/>
+              </a:rPr>
               <a:t>รายละเอียดการ</a:t>
             </a:r>
             <a:r>
-              <a:rPr lang="th-TH" sz="5400" b="1" dirty="0" smtClean="0"/>
+              <a:rPr lang="th-TH" sz="5400" b="1" dirty="0" smtClean="0">
+                <a:latin typeface="TH Sarabun New" panose="020B0500040200020003" pitchFamily="34" charset="-34"/>
+                <a:cs typeface="TH Sarabun New" panose="020B0500040200020003" pitchFamily="34" charset="-34"/>
+              </a:rPr>
               <a:t>ดำเนินงาน</a:t>
             </a:r>
-            <a:endParaRPr lang="en-US" sz="5400" b="1" dirty="0"/>
+            <a:endParaRPr lang="en-US" sz="5400" b="1" dirty="0">
+              <a:latin typeface="TH Sarabun New" panose="020B0500040200020003" pitchFamily="34" charset="-34"/>
+              <a:cs typeface="TH Sarabun New" panose="020B0500040200020003" pitchFamily="34" charset="-34"/>
+            </a:endParaRPr>
           </a:p>
         </p:txBody>
       </p:sp>
@@ -8793,60 +8923,52 @@
           <a:p>
             <a:r>
               <a:rPr lang="en-US" sz="3200" dirty="0" smtClean="0">
-                <a:latin typeface="Angsana New" panose="02020603050405020304" pitchFamily="18" charset="-34"/>
-                <a:cs typeface="Angsana New" panose="02020603050405020304" pitchFamily="18" charset="-34"/>
+                <a:latin typeface="TH Sarabun New" panose="020B0500040200020003" pitchFamily="34" charset="-34"/>
+                <a:cs typeface="TH Sarabun New" panose="020B0500040200020003" pitchFamily="34" charset="-34"/>
               </a:rPr>
               <a:t>Flow Chart</a:t>
             </a:r>
-            <a:endParaRPr lang="en-US" sz="3200" dirty="0" smtClean="0">
-              <a:latin typeface="Angsana New" panose="02020603050405020304" pitchFamily="18" charset="-34"/>
-              <a:cs typeface="Angsana New" panose="02020603050405020304" pitchFamily="18" charset="-34"/>
-            </a:endParaRPr>
           </a:p>
           <a:p>
             <a:r>
               <a:rPr lang="en-US" sz="3200" dirty="0" smtClean="0">
-                <a:latin typeface="Angsana New" panose="02020603050405020304" pitchFamily="18" charset="-34"/>
-                <a:cs typeface="Angsana New" panose="02020603050405020304" pitchFamily="18" charset="-34"/>
+                <a:latin typeface="TH Sarabun New" panose="020B0500040200020003" pitchFamily="34" charset="-34"/>
+                <a:cs typeface="TH Sarabun New" panose="020B0500040200020003" pitchFamily="34" charset="-34"/>
               </a:rPr>
               <a:t>network</a:t>
             </a:r>
-            <a:endParaRPr lang="en-US" sz="3200" dirty="0" smtClean="0">
-              <a:latin typeface="Angsana New" panose="02020603050405020304" pitchFamily="18" charset="-34"/>
-              <a:cs typeface="Angsana New" panose="02020603050405020304" pitchFamily="18" charset="-34"/>
-            </a:endParaRPr>
           </a:p>
           <a:p>
             <a:r>
               <a:rPr lang="th-TH" sz="3200" dirty="0" smtClean="0">
-                <a:latin typeface="Angsana New" panose="02020603050405020304" pitchFamily="18" charset="-34"/>
-                <a:cs typeface="Angsana New" panose="02020603050405020304" pitchFamily="18" charset="-34"/>
+                <a:latin typeface="TH Sarabun New" panose="020B0500040200020003" pitchFamily="34" charset="-34"/>
+                <a:cs typeface="TH Sarabun New" panose="020B0500040200020003" pitchFamily="34" charset="-34"/>
               </a:rPr>
               <a:t>ทิศทางข้อมูล</a:t>
             </a:r>
             <a:endParaRPr lang="en-US" sz="3200" dirty="0" smtClean="0">
-              <a:latin typeface="Angsana New" panose="02020603050405020304" pitchFamily="18" charset="-34"/>
-              <a:cs typeface="Angsana New" panose="02020603050405020304" pitchFamily="18" charset="-34"/>
+              <a:latin typeface="TH Sarabun New" panose="020B0500040200020003" pitchFamily="34" charset="-34"/>
+              <a:cs typeface="TH Sarabun New" panose="020B0500040200020003" pitchFamily="34" charset="-34"/>
             </a:endParaRPr>
           </a:p>
           <a:p>
             <a:r>
               <a:rPr lang="th-TH" sz="3200" dirty="0" smtClean="0">
-                <a:latin typeface="Angsana New" panose="02020603050405020304" pitchFamily="18" charset="-34"/>
-                <a:cs typeface="Angsana New" panose="02020603050405020304" pitchFamily="18" charset="-34"/>
+                <a:latin typeface="TH Sarabun New" panose="020B0500040200020003" pitchFamily="34" charset="-34"/>
+                <a:cs typeface="TH Sarabun New" panose="020B0500040200020003" pitchFamily="34" charset="-34"/>
               </a:rPr>
               <a:t>จุดเด่น</a:t>
             </a:r>
             <a:endParaRPr lang="en-US" sz="3200" dirty="0" smtClean="0">
-              <a:latin typeface="Angsana New" panose="02020603050405020304" pitchFamily="18" charset="-34"/>
-              <a:cs typeface="Angsana New" panose="02020603050405020304" pitchFamily="18" charset="-34"/>
+              <a:latin typeface="TH Sarabun New" panose="020B0500040200020003" pitchFamily="34" charset="-34"/>
+              <a:cs typeface="TH Sarabun New" panose="020B0500040200020003" pitchFamily="34" charset="-34"/>
             </a:endParaRPr>
           </a:p>
           <a:p>
             <a:r>
               <a:rPr lang="th-TH" sz="3200" dirty="0" smtClean="0">
-                <a:latin typeface="Angsana New" panose="02020603050405020304" pitchFamily="18" charset="-34"/>
-                <a:cs typeface="Angsana New" panose="02020603050405020304" pitchFamily="18" charset="-34"/>
+                <a:latin typeface="TH Sarabun New" panose="020B0500040200020003" pitchFamily="34" charset="-34"/>
+                <a:cs typeface="TH Sarabun New" panose="020B0500040200020003" pitchFamily="34" charset="-34"/>
               </a:rPr>
               <a:t>ปัญหาและอุปสรรค</a:t>
             </a:r>
@@ -8854,15 +8976,11 @@
           <a:p>
             <a:r>
               <a:rPr lang="th-TH" sz="3200" dirty="0" smtClean="0">
-                <a:latin typeface="Angsana New" panose="02020603050405020304" pitchFamily="18" charset="-34"/>
-                <a:cs typeface="Angsana New" panose="02020603050405020304" pitchFamily="18" charset="-34"/>
+                <a:latin typeface="TH Sarabun New" panose="020B0500040200020003" pitchFamily="34" charset="-34"/>
+                <a:cs typeface="TH Sarabun New" panose="020B0500040200020003" pitchFamily="34" charset="-34"/>
               </a:rPr>
               <a:t>เป้าหมายที่คาดว่าจะดำเนินการต่อ</a:t>
             </a:r>
-            <a:endParaRPr lang="th-TH" sz="3200" dirty="0" smtClean="0">
-              <a:latin typeface="Angsana New" panose="02020603050405020304" pitchFamily="18" charset="-34"/>
-              <a:cs typeface="Angsana New" panose="02020603050405020304" pitchFamily="18" charset="-34"/>
-            </a:endParaRPr>
           </a:p>
         </p:txBody>
       </p:sp>
@@ -8922,14 +9040,14 @@
           <a:p>
             <a:r>
               <a:rPr lang="en-US" sz="4400" b="1" dirty="0" smtClean="0">
-                <a:latin typeface="Angsana New" panose="02020603050405020304" pitchFamily="18" charset="-34"/>
-                <a:cs typeface="Angsana New" panose="02020603050405020304" pitchFamily="18" charset="-34"/>
+                <a:latin typeface="TH Sarabun New" panose="020B0500040200020003" pitchFamily="34" charset="-34"/>
+                <a:cs typeface="TH Sarabun New" panose="020B0500040200020003" pitchFamily="34" charset="-34"/>
               </a:rPr>
               <a:t>Flow Chart</a:t>
             </a:r>
             <a:endParaRPr lang="en-US" sz="4400" b="1" dirty="0">
-              <a:latin typeface="Angsana New" panose="02020603050405020304" pitchFamily="18" charset="-34"/>
-              <a:cs typeface="Angsana New" panose="02020603050405020304" pitchFamily="18" charset="-34"/>
+              <a:latin typeface="TH Sarabun New" panose="020B0500040200020003" pitchFamily="34" charset="-34"/>
+              <a:cs typeface="TH Sarabun New" panose="020B0500040200020003" pitchFamily="34" charset="-34"/>
             </a:endParaRPr>
           </a:p>
         </p:txBody>
@@ -9125,14 +9243,14 @@
           <a:p>
             <a:r>
               <a:rPr lang="en-US" sz="4400" b="1" dirty="0" smtClean="0">
-                <a:latin typeface="Angsana New" panose="02020603050405020304" pitchFamily="18" charset="-34"/>
-                <a:cs typeface="Angsana New" panose="02020603050405020304" pitchFamily="18" charset="-34"/>
+                <a:latin typeface="TH Sarabun New" panose="020B0500040200020003" pitchFamily="34" charset="-34"/>
+                <a:cs typeface="TH Sarabun New" panose="020B0500040200020003" pitchFamily="34" charset="-34"/>
               </a:rPr>
               <a:t>network</a:t>
             </a:r>
             <a:endParaRPr lang="en-US" sz="4400" b="1" dirty="0">
-              <a:latin typeface="Angsana New" panose="02020603050405020304" pitchFamily="18" charset="-34"/>
-              <a:cs typeface="Angsana New" panose="02020603050405020304" pitchFamily="18" charset="-34"/>
+              <a:latin typeface="TH Sarabun New" panose="020B0500040200020003" pitchFamily="34" charset="-34"/>
+              <a:cs typeface="TH Sarabun New" panose="020B0500040200020003" pitchFamily="34" charset="-34"/>
             </a:endParaRPr>
           </a:p>
         </p:txBody>
@@ -9332,14 +9450,14 @@
           <a:p>
             <a:r>
               <a:rPr lang="th-TH" sz="4400" b="1" dirty="0" smtClean="0">
-                <a:latin typeface="Angsana New" panose="02020603050405020304" pitchFamily="18" charset="-34"/>
-                <a:cs typeface="Angsana New" panose="02020603050405020304" pitchFamily="18" charset="-34"/>
+                <a:latin typeface="TH Sarabun New" panose="020B0500040200020003" pitchFamily="34" charset="-34"/>
+                <a:cs typeface="TH Sarabun New" panose="020B0500040200020003" pitchFamily="34" charset="-34"/>
               </a:rPr>
               <a:t>ทิศทางข้อมูล</a:t>
             </a:r>
             <a:endParaRPr lang="en-US" sz="4400" b="1" dirty="0">
-              <a:latin typeface="Angsana New" panose="02020603050405020304" pitchFamily="18" charset="-34"/>
-              <a:cs typeface="Angsana New" panose="02020603050405020304" pitchFamily="18" charset="-34"/>
+              <a:latin typeface="TH Sarabun New" panose="020B0500040200020003" pitchFamily="34" charset="-34"/>
+              <a:cs typeface="TH Sarabun New" panose="020B0500040200020003" pitchFamily="34" charset="-34"/>
             </a:endParaRPr>
           </a:p>
         </p:txBody>
@@ -9668,7 +9786,7 @@
           <p:nvPr>
             <p:extLst>
               <p:ext uri="{D42A27DB-BD31-4B8C-83A1-F6EECF244321}">
-                <p14:modId xmlns:p14="http://schemas.microsoft.com/office/powerpoint/2010/main" val="3905270165"/>
+                <p14:modId xmlns:p14="http://schemas.microsoft.com/office/powerpoint/2010/main" val="1191480219"/>
               </p:ext>
             </p:extLst>
           </p:nvPr>
@@ -9724,13 +9842,17 @@
                         </a:spcAft>
                       </a:pPr>
                       <a:r>
-                        <a:rPr lang="th-TH" sz="1200">
+                        <a:rPr lang="th-TH" sz="1800" dirty="0">
                           <a:effectLst/>
+                          <a:latin typeface="TH Sarabun New" panose="020B0500040200020003" pitchFamily="34" charset="-34"/>
+                          <a:cs typeface="TH Sarabun New" panose="020B0500040200020003" pitchFamily="34" charset="-34"/>
                         </a:rPr>
                         <a:t>                         โครงงาน</a:t>
                       </a:r>
-                      <a:endParaRPr lang="en-US" sz="900">
+                      <a:endParaRPr lang="en-US" sz="1800" dirty="0">
                         <a:effectLst/>
+                        <a:latin typeface="TH Sarabun New" panose="020B0500040200020003" pitchFamily="34" charset="-34"/>
+                        <a:cs typeface="TH Sarabun New" panose="020B0500040200020003" pitchFamily="34" charset="-34"/>
                       </a:endParaRPr>
                     </a:p>
                     <a:p>
@@ -9746,22 +9868,26 @@
                         </a:spcAft>
                       </a:pPr>
                       <a:r>
-                        <a:rPr lang="en-US" sz="1200">
+                        <a:rPr lang="en-US" sz="1800" dirty="0">
                           <a:effectLst/>
+                          <a:latin typeface="TH Sarabun New" panose="020B0500040200020003" pitchFamily="34" charset="-34"/>
+                          <a:cs typeface="TH Sarabun New" panose="020B0500040200020003" pitchFamily="34" charset="-34"/>
                         </a:rPr>
                         <a:t>          </a:t>
                       </a:r>
                       <a:r>
-                        <a:rPr lang="th-TH" sz="1200">
+                        <a:rPr lang="th-TH" sz="1800" dirty="0">
                           <a:effectLst/>
+                          <a:latin typeface="TH Sarabun New" panose="020B0500040200020003" pitchFamily="34" charset="-34"/>
+                          <a:cs typeface="TH Sarabun New" panose="020B0500040200020003" pitchFamily="34" charset="-34"/>
                         </a:rPr>
                         <a:t>เรื่อง</a:t>
                       </a:r>
-                      <a:endParaRPr lang="en-US" sz="900">
+                      <a:endParaRPr lang="en-US" sz="1800" dirty="0">
                         <a:effectLst/>
-                        <a:latin typeface="Calibri" panose="020F0502020204030204" pitchFamily="34" charset="0"/>
+                        <a:latin typeface="TH Sarabun New" panose="020B0500040200020003" pitchFamily="34" charset="-34"/>
                         <a:ea typeface="DengXian"/>
-                        <a:cs typeface="Cordia New" panose="020B0304020202020204" pitchFamily="34" charset="-34"/>
+                        <a:cs typeface="TH Sarabun New" panose="020B0500040200020003" pitchFamily="34" charset="-34"/>
                       </a:endParaRPr>
                     </a:p>
                   </a:txBody>
@@ -9784,16 +9910,18 @@
                         </a:spcAft>
                       </a:pPr>
                       <a:r>
-                        <a:rPr lang="th-TH" sz="1200">
+                        <a:rPr lang="th-TH" sz="1800">
                           <a:effectLst/>
+                          <a:latin typeface="TH Sarabun New" panose="020B0500040200020003" pitchFamily="34" charset="-34"/>
+                          <a:cs typeface="TH Sarabun New" panose="020B0500040200020003" pitchFamily="34" charset="-34"/>
                         </a:rPr>
                         <a:t>โครงงานของผู้จัดทำ</a:t>
                       </a:r>
-                      <a:endParaRPr lang="en-US" sz="900">
+                      <a:endParaRPr lang="en-US" sz="1800">
                         <a:effectLst/>
-                        <a:latin typeface="Calibri" panose="020F0502020204030204" pitchFamily="34" charset="0"/>
+                        <a:latin typeface="TH Sarabun New" panose="020B0500040200020003" pitchFamily="34" charset="-34"/>
                         <a:ea typeface="DengXian"/>
-                        <a:cs typeface="Cordia New" panose="020B0304020202020204" pitchFamily="34" charset="-34"/>
+                        <a:cs typeface="TH Sarabun New" panose="020B0500040200020003" pitchFamily="34" charset="-34"/>
                       </a:endParaRPr>
                     </a:p>
                   </a:txBody>
@@ -9816,16 +9944,18 @@
                         </a:spcAft>
                       </a:pPr>
                       <a:r>
-                        <a:rPr lang="th-TH" sz="1200">
+                        <a:rPr lang="th-TH" sz="1800">
                           <a:effectLst/>
+                          <a:latin typeface="TH Sarabun New" panose="020B0500040200020003" pitchFamily="34" charset="-34"/>
+                          <a:cs typeface="TH Sarabun New" panose="020B0500040200020003" pitchFamily="34" charset="-34"/>
                         </a:rPr>
                         <a:t>โครงงานอื่น</a:t>
                       </a:r>
-                      <a:endParaRPr lang="en-US" sz="900">
+                      <a:endParaRPr lang="en-US" sz="1800">
                         <a:effectLst/>
-                        <a:latin typeface="Calibri" panose="020F0502020204030204" pitchFamily="34" charset="0"/>
+                        <a:latin typeface="TH Sarabun New" panose="020B0500040200020003" pitchFamily="34" charset="-34"/>
                         <a:ea typeface="DengXian"/>
-                        <a:cs typeface="Cordia New" panose="020B0304020202020204" pitchFamily="34" charset="-34"/>
+                        <a:cs typeface="TH Sarabun New" panose="020B0500040200020003" pitchFamily="34" charset="-34"/>
                       </a:endParaRPr>
                     </a:p>
                   </a:txBody>
@@ -9855,13 +9985,17 @@
                         </a:spcAft>
                       </a:pPr>
                       <a:r>
-                        <a:rPr lang="th-TH" sz="1200">
+                        <a:rPr lang="th-TH" sz="1800">
                           <a:effectLst/>
+                          <a:latin typeface="TH Sarabun New" panose="020B0500040200020003" pitchFamily="34" charset="-34"/>
+                          <a:cs typeface="TH Sarabun New" panose="020B0500040200020003" pitchFamily="34" charset="-34"/>
                         </a:rPr>
                         <a:t>การเชื่อมต่อ</a:t>
                       </a:r>
-                      <a:endParaRPr lang="en-US" sz="900">
+                      <a:endParaRPr lang="en-US" sz="1800">
                         <a:effectLst/>
+                        <a:latin typeface="TH Sarabun New" panose="020B0500040200020003" pitchFamily="34" charset="-34"/>
+                        <a:cs typeface="TH Sarabun New" panose="020B0500040200020003" pitchFamily="34" charset="-34"/>
                       </a:endParaRPr>
                     </a:p>
                     <a:p>
@@ -9877,16 +10011,18 @@
                         </a:spcAft>
                       </a:pPr>
                       <a:r>
-                        <a:rPr lang="en-US" sz="1200">
+                        <a:rPr lang="en-US" sz="1800">
                           <a:effectLst/>
+                          <a:latin typeface="TH Sarabun New" panose="020B0500040200020003" pitchFamily="34" charset="-34"/>
+                          <a:cs typeface="TH Sarabun New" panose="020B0500040200020003" pitchFamily="34" charset="-34"/>
                         </a:rPr>
                         <a:t>(Network connection)</a:t>
                       </a:r>
-                      <a:endParaRPr lang="en-US" sz="900">
+                      <a:endParaRPr lang="en-US" sz="1800">
                         <a:effectLst/>
-                        <a:latin typeface="Calibri" panose="020F0502020204030204" pitchFamily="34" charset="0"/>
+                        <a:latin typeface="TH Sarabun New" panose="020B0500040200020003" pitchFamily="34" charset="-34"/>
                         <a:ea typeface="DengXian"/>
-                        <a:cs typeface="Cordia New" panose="020B0304020202020204" pitchFamily="34" charset="-34"/>
+                        <a:cs typeface="TH Sarabun New" panose="020B0500040200020003" pitchFamily="34" charset="-34"/>
                       </a:endParaRPr>
                     </a:p>
                   </a:txBody>
@@ -9909,52 +10045,66 @@
                         </a:spcAft>
                       </a:pPr>
                       <a:r>
-                        <a:rPr lang="th-TH" sz="1200">
+                        <a:rPr lang="th-TH" sz="1800" dirty="0">
                           <a:effectLst/>
+                          <a:latin typeface="TH Sarabun New" panose="020B0500040200020003" pitchFamily="34" charset="-34"/>
+                          <a:cs typeface="TH Sarabun New" panose="020B0500040200020003" pitchFamily="34" charset="-34"/>
                         </a:rPr>
                         <a:t>ใข้ </a:t>
                       </a:r>
                       <a:r>
-                        <a:rPr lang="en-US" sz="1200">
+                        <a:rPr lang="en-US" sz="1800" dirty="0">
                           <a:effectLst/>
+                          <a:latin typeface="TH Sarabun New" panose="020B0500040200020003" pitchFamily="34" charset="-34"/>
+                          <a:cs typeface="TH Sarabun New" panose="020B0500040200020003" pitchFamily="34" charset="-34"/>
                         </a:rPr>
                         <a:t>Narrow Band </a:t>
                       </a:r>
                       <a:r>
-                        <a:rPr lang="th-TH" sz="1200">
+                        <a:rPr lang="th-TH" sz="1800" dirty="0">
                           <a:effectLst/>
+                          <a:latin typeface="TH Sarabun New" panose="020B0500040200020003" pitchFamily="34" charset="-34"/>
+                          <a:cs typeface="TH Sarabun New" panose="020B0500040200020003" pitchFamily="34" charset="-34"/>
                         </a:rPr>
                         <a:t>หรือ </a:t>
                       </a:r>
                       <a:r>
-                        <a:rPr lang="en-US" sz="1200">
+                        <a:rPr lang="en-US" sz="1800" dirty="0">
                           <a:effectLst/>
+                          <a:latin typeface="TH Sarabun New" panose="020B0500040200020003" pitchFamily="34" charset="-34"/>
+                          <a:cs typeface="TH Sarabun New" panose="020B0500040200020003" pitchFamily="34" charset="-34"/>
                         </a:rPr>
                         <a:t>LTE </a:t>
                       </a:r>
                       <a:r>
-                        <a:rPr lang="th-TH" sz="1200">
+                        <a:rPr lang="th-TH" sz="1800" dirty="0">
                           <a:effectLst/>
+                          <a:latin typeface="TH Sarabun New" panose="020B0500040200020003" pitchFamily="34" charset="-34"/>
+                          <a:cs typeface="TH Sarabun New" panose="020B0500040200020003" pitchFamily="34" charset="-34"/>
                         </a:rPr>
                         <a:t>ในช่วงของ </a:t>
                       </a:r>
                       <a:r>
-                        <a:rPr lang="en-US" sz="1200">
+                        <a:rPr lang="en-US" sz="1800" dirty="0">
                           <a:effectLst/>
+                          <a:latin typeface="TH Sarabun New" panose="020B0500040200020003" pitchFamily="34" charset="-34"/>
+                          <a:cs typeface="TH Sarabun New" panose="020B0500040200020003" pitchFamily="34" charset="-34"/>
                         </a:rPr>
                         <a:t>Guard Band </a:t>
                       </a:r>
                       <a:r>
-                        <a:rPr lang="th-TH" sz="1200">
+                        <a:rPr lang="th-TH" sz="1800" dirty="0">
                           <a:effectLst/>
+                          <a:latin typeface="TH Sarabun New" panose="020B0500040200020003" pitchFamily="34" charset="-34"/>
+                          <a:cs typeface="TH Sarabun New" panose="020B0500040200020003" pitchFamily="34" charset="-34"/>
                         </a:rPr>
                         <a:t>ทำให้ครอบคลุมเท่าสัญญาณโทรศัพท์</a:t>
                       </a:r>
-                      <a:endParaRPr lang="en-US" sz="900">
+                      <a:endParaRPr lang="en-US" sz="1800" dirty="0">
                         <a:effectLst/>
-                        <a:latin typeface="Calibri" panose="020F0502020204030204" pitchFamily="34" charset="0"/>
+                        <a:latin typeface="TH Sarabun New" panose="020B0500040200020003" pitchFamily="34" charset="-34"/>
                         <a:ea typeface="DengXian"/>
-                        <a:cs typeface="Cordia New" panose="020B0304020202020204" pitchFamily="34" charset="-34"/>
+                        <a:cs typeface="TH Sarabun New" panose="020B0500040200020003" pitchFamily="34" charset="-34"/>
                       </a:endParaRPr>
                     </a:p>
                   </a:txBody>
@@ -9977,34 +10127,42 @@
                         </a:spcAft>
                       </a:pPr>
                       <a:r>
-                        <a:rPr lang="th-TH" sz="1200" dirty="0">
+                        <a:rPr lang="th-TH" sz="1800" dirty="0">
                           <a:effectLst/>
+                          <a:latin typeface="TH Sarabun New" panose="020B0500040200020003" pitchFamily="34" charset="-34"/>
+                          <a:cs typeface="TH Sarabun New" panose="020B0500040200020003" pitchFamily="34" charset="-34"/>
                         </a:rPr>
                         <a:t>ใช้ </a:t>
                       </a:r>
                       <a:r>
-                        <a:rPr lang="en-US" sz="1200" dirty="0" err="1">
+                        <a:rPr lang="en-US" sz="1800" dirty="0" err="1">
                           <a:effectLst/>
+                          <a:latin typeface="TH Sarabun New" panose="020B0500040200020003" pitchFamily="34" charset="-34"/>
+                          <a:cs typeface="TH Sarabun New" panose="020B0500040200020003" pitchFamily="34" charset="-34"/>
                         </a:rPr>
                         <a:t>WiFi</a:t>
                       </a:r>
                       <a:r>
-                        <a:rPr lang="en-US" sz="1200" dirty="0">
+                        <a:rPr lang="en-US" sz="1800" dirty="0">
                           <a:effectLst/>
+                          <a:latin typeface="TH Sarabun New" panose="020B0500040200020003" pitchFamily="34" charset="-34"/>
+                          <a:cs typeface="TH Sarabun New" panose="020B0500040200020003" pitchFamily="34" charset="-34"/>
                         </a:rPr>
                         <a:t> </a:t>
                       </a:r>
                       <a:r>
-                        <a:rPr lang="th-TH" sz="1200" dirty="0">
+                        <a:rPr lang="th-TH" sz="1800" dirty="0">
                           <a:effectLst/>
+                          <a:latin typeface="TH Sarabun New" panose="020B0500040200020003" pitchFamily="34" charset="-34"/>
+                          <a:cs typeface="TH Sarabun New" panose="020B0500040200020003" pitchFamily="34" charset="-34"/>
                         </a:rPr>
                         <a:t>ทำให้ต้องอยู่แค่ในบริเวณจำกัด</a:t>
                       </a:r>
-                      <a:endParaRPr lang="en-US" sz="900" dirty="0">
+                      <a:endParaRPr lang="en-US" sz="1800" dirty="0">
                         <a:effectLst/>
-                        <a:latin typeface="Calibri" panose="020F0502020204030204" pitchFamily="34" charset="0"/>
+                        <a:latin typeface="TH Sarabun New" panose="020B0500040200020003" pitchFamily="34" charset="-34"/>
                         <a:ea typeface="DengXian"/>
-                        <a:cs typeface="Cordia New" panose="020B0304020202020204" pitchFamily="34" charset="-34"/>
+                        <a:cs typeface="TH Sarabun New" panose="020B0500040200020003" pitchFamily="34" charset="-34"/>
                       </a:endParaRPr>
                     </a:p>
                   </a:txBody>
@@ -10034,13 +10192,17 @@
                         </a:spcAft>
                       </a:pPr>
                       <a:r>
-                        <a:rPr lang="th-TH" sz="1200">
+                        <a:rPr lang="th-TH" sz="1800">
                           <a:effectLst/>
+                          <a:latin typeface="TH Sarabun New" panose="020B0500040200020003" pitchFamily="34" charset="-34"/>
+                          <a:cs typeface="TH Sarabun New" panose="020B0500040200020003" pitchFamily="34" charset="-34"/>
                         </a:rPr>
                         <a:t>แหล่งพลังงาน</a:t>
                       </a:r>
-                      <a:endParaRPr lang="en-US" sz="900">
+                      <a:endParaRPr lang="en-US" sz="1800">
                         <a:effectLst/>
+                        <a:latin typeface="TH Sarabun New" panose="020B0500040200020003" pitchFamily="34" charset="-34"/>
+                        <a:cs typeface="TH Sarabun New" panose="020B0500040200020003" pitchFamily="34" charset="-34"/>
                       </a:endParaRPr>
                     </a:p>
                     <a:p>
@@ -10056,16 +10218,18 @@
                         </a:spcAft>
                       </a:pPr>
                       <a:r>
-                        <a:rPr lang="en-US" sz="1200">
+                        <a:rPr lang="en-US" sz="1800">
                           <a:effectLst/>
+                          <a:latin typeface="TH Sarabun New" panose="020B0500040200020003" pitchFamily="34" charset="-34"/>
+                          <a:cs typeface="TH Sarabun New" panose="020B0500040200020003" pitchFamily="34" charset="-34"/>
                         </a:rPr>
                         <a:t>(Energy saving)</a:t>
                       </a:r>
-                      <a:endParaRPr lang="en-US" sz="900">
+                      <a:endParaRPr lang="en-US" sz="1800">
                         <a:effectLst/>
-                        <a:latin typeface="Calibri" panose="020F0502020204030204" pitchFamily="34" charset="0"/>
+                        <a:latin typeface="TH Sarabun New" panose="020B0500040200020003" pitchFamily="34" charset="-34"/>
                         <a:ea typeface="DengXian"/>
-                        <a:cs typeface="Cordia New" panose="020B0304020202020204" pitchFamily="34" charset="-34"/>
+                        <a:cs typeface="TH Sarabun New" panose="020B0500040200020003" pitchFamily="34" charset="-34"/>
                       </a:endParaRPr>
                     </a:p>
                   </a:txBody>
@@ -10088,28 +10252,34 @@
                         </a:spcAft>
                       </a:pPr>
                       <a:r>
-                        <a:rPr lang="th-TH" sz="1200">
+                        <a:rPr lang="th-TH" sz="1800" dirty="0">
                           <a:effectLst/>
+                          <a:latin typeface="TH Sarabun New" panose="020B0500040200020003" pitchFamily="34" charset="-34"/>
+                          <a:cs typeface="TH Sarabun New" panose="020B0500040200020003" pitchFamily="34" charset="-34"/>
                         </a:rPr>
                         <a:t>ใช้ </a:t>
                       </a:r>
                       <a:r>
-                        <a:rPr lang="en-US" sz="1200">
+                        <a:rPr lang="en-US" sz="1800" dirty="0">
                           <a:effectLst/>
+                          <a:latin typeface="TH Sarabun New" panose="020B0500040200020003" pitchFamily="34" charset="-34"/>
+                          <a:cs typeface="TH Sarabun New" panose="020B0500040200020003" pitchFamily="34" charset="-34"/>
                         </a:rPr>
                         <a:t>Solar Cell </a:t>
                       </a:r>
                       <a:r>
-                        <a:rPr lang="th-TH" sz="1200">
+                        <a:rPr lang="th-TH" sz="1800" dirty="0">
                           <a:effectLst/>
+                          <a:latin typeface="TH Sarabun New" panose="020B0500040200020003" pitchFamily="34" charset="-34"/>
+                          <a:cs typeface="TH Sarabun New" panose="020B0500040200020003" pitchFamily="34" charset="-34"/>
                         </a:rPr>
                         <a:t>ทำให้ใช้ได้โดยไม่ต้องใช้แหล่งจ่ายอื่น ๆ</a:t>
                       </a:r>
-                      <a:endParaRPr lang="en-US" sz="900">
+                      <a:endParaRPr lang="en-US" sz="1800" dirty="0">
                         <a:effectLst/>
-                        <a:latin typeface="Calibri" panose="020F0502020204030204" pitchFamily="34" charset="0"/>
+                        <a:latin typeface="TH Sarabun New" panose="020B0500040200020003" pitchFamily="34" charset="-34"/>
                         <a:ea typeface="DengXian"/>
-                        <a:cs typeface="Cordia New" panose="020B0304020202020204" pitchFamily="34" charset="-34"/>
+                        <a:cs typeface="TH Sarabun New" panose="020B0500040200020003" pitchFamily="34" charset="-34"/>
                       </a:endParaRPr>
                     </a:p>
                   </a:txBody>
@@ -10132,16 +10302,18 @@
                         </a:spcAft>
                       </a:pPr>
                       <a:r>
-                        <a:rPr lang="th-TH" sz="1200">
+                        <a:rPr lang="th-TH" sz="1800">
                           <a:effectLst/>
+                          <a:latin typeface="TH Sarabun New" panose="020B0500040200020003" pitchFamily="34" charset="-34"/>
+                          <a:cs typeface="TH Sarabun New" panose="020B0500040200020003" pitchFamily="34" charset="-34"/>
                         </a:rPr>
                         <a:t>ใช้แบตเตอรี่ หรือ พลังงานจากแหล่งจ่าย มีระยะทางจำกัดเนื่องจากต้องเชื่อมต่อสายไฟทุกจุด</a:t>
                       </a:r>
-                      <a:endParaRPr lang="en-US" sz="900">
+                      <a:endParaRPr lang="en-US" sz="1800">
                         <a:effectLst/>
-                        <a:latin typeface="Calibri" panose="020F0502020204030204" pitchFamily="34" charset="0"/>
+                        <a:latin typeface="TH Sarabun New" panose="020B0500040200020003" pitchFamily="34" charset="-34"/>
                         <a:ea typeface="DengXian"/>
-                        <a:cs typeface="Cordia New" panose="020B0304020202020204" pitchFamily="34" charset="-34"/>
+                        <a:cs typeface="TH Sarabun New" panose="020B0500040200020003" pitchFamily="34" charset="-34"/>
                       </a:endParaRPr>
                     </a:p>
                   </a:txBody>
@@ -10171,13 +10343,17 @@
                         </a:spcAft>
                       </a:pPr>
                       <a:r>
-                        <a:rPr lang="th-TH" sz="1200">
+                        <a:rPr lang="th-TH" sz="1800">
                           <a:effectLst/>
+                          <a:latin typeface="TH Sarabun New" panose="020B0500040200020003" pitchFamily="34" charset="-34"/>
+                          <a:cs typeface="TH Sarabun New" panose="020B0500040200020003" pitchFamily="34" charset="-34"/>
                         </a:rPr>
                         <a:t>การติดตั้ง</a:t>
                       </a:r>
-                      <a:endParaRPr lang="en-US" sz="900">
+                      <a:endParaRPr lang="en-US" sz="1800">
                         <a:effectLst/>
+                        <a:latin typeface="TH Sarabun New" panose="020B0500040200020003" pitchFamily="34" charset="-34"/>
+                        <a:cs typeface="TH Sarabun New" panose="020B0500040200020003" pitchFamily="34" charset="-34"/>
                       </a:endParaRPr>
                     </a:p>
                     <a:p>
@@ -10193,16 +10369,18 @@
                         </a:spcAft>
                       </a:pPr>
                       <a:r>
-                        <a:rPr lang="en-US" sz="1200">
+                        <a:rPr lang="en-US" sz="1800">
                           <a:effectLst/>
+                          <a:latin typeface="TH Sarabun New" panose="020B0500040200020003" pitchFamily="34" charset="-34"/>
+                          <a:cs typeface="TH Sarabun New" panose="020B0500040200020003" pitchFamily="34" charset="-34"/>
                         </a:rPr>
                         <a:t>(Installation/Deployment)</a:t>
                       </a:r>
-                      <a:endParaRPr lang="en-US" sz="900">
+                      <a:endParaRPr lang="en-US" sz="1800">
                         <a:effectLst/>
-                        <a:latin typeface="Calibri" panose="020F0502020204030204" pitchFamily="34" charset="0"/>
+                        <a:latin typeface="TH Sarabun New" panose="020B0500040200020003" pitchFamily="34" charset="-34"/>
                         <a:ea typeface="DengXian"/>
-                        <a:cs typeface="Cordia New" panose="020B0304020202020204" pitchFamily="34" charset="-34"/>
+                        <a:cs typeface="TH Sarabun New" panose="020B0500040200020003" pitchFamily="34" charset="-34"/>
                       </a:endParaRPr>
                     </a:p>
                   </a:txBody>
@@ -10225,28 +10403,34 @@
                         </a:spcAft>
                       </a:pPr>
                       <a:r>
-                        <a:rPr lang="th-TH" sz="1200">
+                        <a:rPr lang="th-TH" sz="1800">
                           <a:effectLst/>
+                          <a:latin typeface="TH Sarabun New" panose="020B0500040200020003" pitchFamily="34" charset="-34"/>
+                          <a:cs typeface="TH Sarabun New" panose="020B0500040200020003" pitchFamily="34" charset="-34"/>
                         </a:rPr>
                         <a:t>สามารถติดตั้งได้ง่ายและรวดเร็วเพียงแต่ใช้กล่องติดตั้งที่เรามีให้ ไม่ต้อง</a:t>
                       </a:r>
                       <a:r>
-                        <a:rPr lang="en-US" sz="1200">
+                        <a:rPr lang="en-US" sz="1800">
                           <a:effectLst/>
+                          <a:latin typeface="TH Sarabun New" panose="020B0500040200020003" pitchFamily="34" charset="-34"/>
+                          <a:cs typeface="TH Sarabun New" panose="020B0500040200020003" pitchFamily="34" charset="-34"/>
                         </a:rPr>
                         <a:t>Configure WIFI</a:t>
                       </a:r>
                       <a:r>
-                        <a:rPr lang="th-TH" sz="1200">
+                        <a:rPr lang="th-TH" sz="1800">
                           <a:effectLst/>
+                          <a:latin typeface="TH Sarabun New" panose="020B0500040200020003" pitchFamily="34" charset="-34"/>
+                          <a:cs typeface="TH Sarabun New" panose="020B0500040200020003" pitchFamily="34" charset="-34"/>
                         </a:rPr>
                         <a:t> หรือต่อแหล่งพลังงานเพิ่มเติม</a:t>
                       </a:r>
-                      <a:endParaRPr lang="en-US" sz="900">
+                      <a:endParaRPr lang="en-US" sz="1800">
                         <a:effectLst/>
-                        <a:latin typeface="Calibri" panose="020F0502020204030204" pitchFamily="34" charset="0"/>
+                        <a:latin typeface="TH Sarabun New" panose="020B0500040200020003" pitchFamily="34" charset="-34"/>
                         <a:ea typeface="DengXian"/>
-                        <a:cs typeface="Cordia New" panose="020B0304020202020204" pitchFamily="34" charset="-34"/>
+                        <a:cs typeface="TH Sarabun New" panose="020B0500040200020003" pitchFamily="34" charset="-34"/>
                       </a:endParaRPr>
                     </a:p>
                   </a:txBody>
@@ -10269,40 +10453,50 @@
                         </a:spcAft>
                       </a:pPr>
                       <a:r>
-                        <a:rPr lang="th-TH" sz="1200">
+                        <a:rPr lang="th-TH" sz="1800">
                           <a:effectLst/>
+                          <a:latin typeface="TH Sarabun New" panose="020B0500040200020003" pitchFamily="34" charset="-34"/>
+                          <a:cs typeface="TH Sarabun New" panose="020B0500040200020003" pitchFamily="34" charset="-34"/>
                         </a:rPr>
                         <a:t>ต้องตั้งค่า </a:t>
                       </a:r>
                       <a:r>
-                        <a:rPr lang="en-US" sz="1200">
+                        <a:rPr lang="en-US" sz="1800">
                           <a:effectLst/>
+                          <a:latin typeface="TH Sarabun New" panose="020B0500040200020003" pitchFamily="34" charset="-34"/>
+                          <a:cs typeface="TH Sarabun New" panose="020B0500040200020003" pitchFamily="34" charset="-34"/>
                         </a:rPr>
                         <a:t>WiFi </a:t>
                       </a:r>
                       <a:r>
-                        <a:rPr lang="th-TH" sz="1200">
+                        <a:rPr lang="th-TH" sz="1800">
                           <a:effectLst/>
+                          <a:latin typeface="TH Sarabun New" panose="020B0500040200020003" pitchFamily="34" charset="-34"/>
+                          <a:cs typeface="TH Sarabun New" panose="020B0500040200020003" pitchFamily="34" charset="-34"/>
                         </a:rPr>
                         <a:t>และ </a:t>
                       </a:r>
                       <a:r>
-                        <a:rPr lang="en-US" sz="1200">
+                        <a:rPr lang="en-US" sz="1800">
                           <a:effectLst/>
+                          <a:latin typeface="TH Sarabun New" panose="020B0500040200020003" pitchFamily="34" charset="-34"/>
+                          <a:cs typeface="TH Sarabun New" panose="020B0500040200020003" pitchFamily="34" charset="-34"/>
                         </a:rPr>
                         <a:t>password </a:t>
                       </a:r>
                       <a:r>
-                        <a:rPr lang="th-TH" sz="1200">
+                        <a:rPr lang="th-TH" sz="1800">
                           <a:effectLst/>
+                          <a:latin typeface="TH Sarabun New" panose="020B0500040200020003" pitchFamily="34" charset="-34"/>
+                          <a:cs typeface="TH Sarabun New" panose="020B0500040200020003" pitchFamily="34" charset="-34"/>
                         </a:rPr>
                         <a:t>ทำให้ติดตั้ง และการเคลื่อนย้ายใช้ระยะเวลาที่1นาน</a:t>
                       </a:r>
-                      <a:endParaRPr lang="en-US" sz="900">
+                      <a:endParaRPr lang="en-US" sz="1800">
                         <a:effectLst/>
-                        <a:latin typeface="Calibri" panose="020F0502020204030204" pitchFamily="34" charset="0"/>
+                        <a:latin typeface="TH Sarabun New" panose="020B0500040200020003" pitchFamily="34" charset="-34"/>
                         <a:ea typeface="DengXian"/>
-                        <a:cs typeface="Cordia New" panose="020B0304020202020204" pitchFamily="34" charset="-34"/>
+                        <a:cs typeface="TH Sarabun New" panose="020B0500040200020003" pitchFamily="34" charset="-34"/>
                       </a:endParaRPr>
                     </a:p>
                   </a:txBody>
@@ -10332,13 +10526,17 @@
                         </a:spcAft>
                       </a:pPr>
                       <a:r>
-                        <a:rPr lang="th-TH" sz="1200">
+                        <a:rPr lang="th-TH" sz="1800">
                           <a:effectLst/>
+                          <a:latin typeface="TH Sarabun New" panose="020B0500040200020003" pitchFamily="34" charset="-34"/>
+                          <a:cs typeface="TH Sarabun New" panose="020B0500040200020003" pitchFamily="34" charset="-34"/>
                         </a:rPr>
                         <a:t>การสั่งงาน</a:t>
                       </a:r>
-                      <a:endParaRPr lang="en-US" sz="900">
+                      <a:endParaRPr lang="en-US" sz="1800">
                         <a:effectLst/>
+                        <a:latin typeface="TH Sarabun New" panose="020B0500040200020003" pitchFamily="34" charset="-34"/>
+                        <a:cs typeface="TH Sarabun New" panose="020B0500040200020003" pitchFamily="34" charset="-34"/>
                       </a:endParaRPr>
                     </a:p>
                     <a:p>
@@ -10354,16 +10552,18 @@
                         </a:spcAft>
                       </a:pPr>
                       <a:r>
-                        <a:rPr lang="en-US" sz="1200">
+                        <a:rPr lang="en-US" sz="1800">
                           <a:effectLst/>
+                          <a:latin typeface="TH Sarabun New" panose="020B0500040200020003" pitchFamily="34" charset="-34"/>
+                          <a:cs typeface="TH Sarabun New" panose="020B0500040200020003" pitchFamily="34" charset="-34"/>
                         </a:rPr>
                         <a:t>(Command)</a:t>
                       </a:r>
-                      <a:endParaRPr lang="en-US" sz="900">
+                      <a:endParaRPr lang="en-US" sz="1800">
                         <a:effectLst/>
-                        <a:latin typeface="Calibri" panose="020F0502020204030204" pitchFamily="34" charset="0"/>
+                        <a:latin typeface="TH Sarabun New" panose="020B0500040200020003" pitchFamily="34" charset="-34"/>
                         <a:ea typeface="DengXian"/>
-                        <a:cs typeface="Cordia New" panose="020B0304020202020204" pitchFamily="34" charset="-34"/>
+                        <a:cs typeface="TH Sarabun New" panose="020B0500040200020003" pitchFamily="34" charset="-34"/>
                       </a:endParaRPr>
                     </a:p>
                   </a:txBody>
@@ -10386,22 +10586,26 @@
                         </a:spcAft>
                       </a:pPr>
                       <a:r>
-                        <a:rPr lang="th-TH" sz="1200">
+                        <a:rPr lang="th-TH" sz="1800">
                           <a:effectLst/>
+                          <a:latin typeface="TH Sarabun New" panose="020B0500040200020003" pitchFamily="34" charset="-34"/>
+                          <a:cs typeface="TH Sarabun New" panose="020B0500040200020003" pitchFamily="34" charset="-34"/>
                         </a:rPr>
                         <a:t>สามารถเข้าถึงพร้อมสั่งงานได้ทันที และครอบคลุมในทุกอุปกรณ์ที่มี </a:t>
                       </a:r>
                       <a:r>
-                        <a:rPr lang="en-US" sz="1200">
+                        <a:rPr lang="en-US" sz="1800">
                           <a:effectLst/>
+                          <a:latin typeface="TH Sarabun New" panose="020B0500040200020003" pitchFamily="34" charset="-34"/>
+                          <a:cs typeface="TH Sarabun New" panose="020B0500040200020003" pitchFamily="34" charset="-34"/>
                         </a:rPr>
                         <a:t>Browser </a:t>
                       </a:r>
-                      <a:endParaRPr lang="en-US" sz="900">
+                      <a:endParaRPr lang="en-US" sz="1800">
                         <a:effectLst/>
-                        <a:latin typeface="Calibri" panose="020F0502020204030204" pitchFamily="34" charset="0"/>
+                        <a:latin typeface="TH Sarabun New" panose="020B0500040200020003" pitchFamily="34" charset="-34"/>
                         <a:ea typeface="DengXian"/>
-                        <a:cs typeface="Cordia New" panose="020B0304020202020204" pitchFamily="34" charset="-34"/>
+                        <a:cs typeface="TH Sarabun New" panose="020B0500040200020003" pitchFamily="34" charset="-34"/>
                       </a:endParaRPr>
                     </a:p>
                   </a:txBody>
@@ -10424,16 +10628,18 @@
                         </a:spcAft>
                       </a:pPr>
                       <a:r>
-                        <a:rPr lang="th-TH" sz="1200">
+                        <a:rPr lang="th-TH" sz="1800">
                           <a:effectLst/>
+                          <a:latin typeface="TH Sarabun New" panose="020B0500040200020003" pitchFamily="34" charset="-34"/>
+                          <a:cs typeface="TH Sarabun New" panose="020B0500040200020003" pitchFamily="34" charset="-34"/>
                         </a:rPr>
                         <a:t>ถ้าใช้งานแอพพลิเคชั่นในโทรศัพท์ อาจทำให้ไม่ครอบคลุมทุกอุปกรณ์</a:t>
                       </a:r>
-                      <a:endParaRPr lang="en-US" sz="900">
+                      <a:endParaRPr lang="en-US" sz="1800">
                         <a:effectLst/>
-                        <a:latin typeface="Calibri" panose="020F0502020204030204" pitchFamily="34" charset="0"/>
+                        <a:latin typeface="TH Sarabun New" panose="020B0500040200020003" pitchFamily="34" charset="-34"/>
                         <a:ea typeface="DengXian"/>
-                        <a:cs typeface="Cordia New" panose="020B0304020202020204" pitchFamily="34" charset="-34"/>
+                        <a:cs typeface="TH Sarabun New" panose="020B0500040200020003" pitchFamily="34" charset="-34"/>
                       </a:endParaRPr>
                     </a:p>
                   </a:txBody>
@@ -10463,13 +10669,17 @@
                         </a:spcAft>
                       </a:pPr>
                       <a:r>
-                        <a:rPr lang="th-TH" sz="1200">
+                        <a:rPr lang="th-TH" sz="1800">
                           <a:effectLst/>
+                          <a:latin typeface="TH Sarabun New" panose="020B0500040200020003" pitchFamily="34" charset="-34"/>
+                          <a:cs typeface="TH Sarabun New" panose="020B0500040200020003" pitchFamily="34" charset="-34"/>
                         </a:rPr>
                         <a:t>โพรไฟล์</a:t>
                       </a:r>
-                      <a:endParaRPr lang="en-US" sz="900">
+                      <a:endParaRPr lang="en-US" sz="1800">
                         <a:effectLst/>
+                        <a:latin typeface="TH Sarabun New" panose="020B0500040200020003" pitchFamily="34" charset="-34"/>
+                        <a:cs typeface="TH Sarabun New" panose="020B0500040200020003" pitchFamily="34" charset="-34"/>
                       </a:endParaRPr>
                     </a:p>
                     <a:p>
@@ -10485,16 +10695,18 @@
                         </a:spcAft>
                       </a:pPr>
                       <a:r>
-                        <a:rPr lang="en-US" sz="1200">
+                        <a:rPr lang="en-US" sz="1800">
                           <a:effectLst/>
+                          <a:latin typeface="TH Sarabun New" panose="020B0500040200020003" pitchFamily="34" charset="-34"/>
+                          <a:cs typeface="TH Sarabun New" panose="020B0500040200020003" pitchFamily="34" charset="-34"/>
                         </a:rPr>
                         <a:t>(Data analytic/profile)</a:t>
                       </a:r>
-                      <a:endParaRPr lang="en-US" sz="900">
+                      <a:endParaRPr lang="en-US" sz="1800">
                         <a:effectLst/>
-                        <a:latin typeface="Calibri" panose="020F0502020204030204" pitchFamily="34" charset="0"/>
+                        <a:latin typeface="TH Sarabun New" panose="020B0500040200020003" pitchFamily="34" charset="-34"/>
                         <a:ea typeface="DengXian"/>
-                        <a:cs typeface="Cordia New" panose="020B0304020202020204" pitchFamily="34" charset="-34"/>
+                        <a:cs typeface="TH Sarabun New" panose="020B0500040200020003" pitchFamily="34" charset="-34"/>
                       </a:endParaRPr>
                     </a:p>
                   </a:txBody>
@@ -10517,16 +10729,18 @@
                         </a:spcAft>
                       </a:pPr>
                       <a:r>
-                        <a:rPr lang="th-TH" sz="1200">
+                        <a:rPr lang="th-TH" sz="1800">
                           <a:effectLst/>
+                          <a:latin typeface="TH Sarabun New" panose="020B0500040200020003" pitchFamily="34" charset="-34"/>
+                          <a:cs typeface="TH Sarabun New" panose="020B0500040200020003" pitchFamily="34" charset="-34"/>
                         </a:rPr>
                         <a:t>มีการเรียนรู้และบันทึการทำงานเพื่อวิเคราะห์หาผลลัพธ์ของการทำงานที่ดีที่สุดเพื่อใช้เป็นโพรไฟล์สำหรับการปลูกพืชชนิดเดียวกันในที่อื่น ๆ ต่อไป ลดเวลาในการตั้งค่าการช้าน</a:t>
                       </a:r>
-                      <a:endParaRPr lang="en-US" sz="900">
+                      <a:endParaRPr lang="en-US" sz="1800">
                         <a:effectLst/>
-                        <a:latin typeface="Calibri" panose="020F0502020204030204" pitchFamily="34" charset="0"/>
+                        <a:latin typeface="TH Sarabun New" panose="020B0500040200020003" pitchFamily="34" charset="-34"/>
                         <a:ea typeface="DengXian"/>
-                        <a:cs typeface="Cordia New" panose="020B0304020202020204" pitchFamily="34" charset="-34"/>
+                        <a:cs typeface="TH Sarabun New" panose="020B0500040200020003" pitchFamily="34" charset="-34"/>
                       </a:endParaRPr>
                     </a:p>
                   </a:txBody>
@@ -10549,16 +10763,18 @@
                         </a:spcAft>
                       </a:pPr>
                       <a:r>
-                        <a:rPr lang="th-TH" sz="1200" dirty="0">
+                        <a:rPr lang="th-TH" sz="1800" dirty="0">
                           <a:effectLst/>
+                          <a:latin typeface="TH Sarabun New" panose="020B0500040200020003" pitchFamily="34" charset="-34"/>
+                          <a:cs typeface="TH Sarabun New" panose="020B0500040200020003" pitchFamily="34" charset="-34"/>
                         </a:rPr>
                         <a:t>ไม่มี หรือ หาได้ยาก มีราคาสูง</a:t>
                       </a:r>
-                      <a:endParaRPr lang="en-US" sz="900" dirty="0">
+                      <a:endParaRPr lang="en-US" sz="1800" dirty="0">
                         <a:effectLst/>
-                        <a:latin typeface="Calibri" panose="020F0502020204030204" pitchFamily="34" charset="0"/>
+                        <a:latin typeface="TH Sarabun New" panose="020B0500040200020003" pitchFamily="34" charset="-34"/>
                         <a:ea typeface="DengXian"/>
-                        <a:cs typeface="Cordia New" panose="020B0304020202020204" pitchFamily="34" charset="-34"/>
+                        <a:cs typeface="TH Sarabun New" panose="020B0500040200020003" pitchFamily="34" charset="-34"/>
                       </a:endParaRPr>
                     </a:p>
                   </a:txBody>
@@ -10638,7 +10854,7 @@
                 <a:latin typeface="Angsana New" panose="02020603050405020304" pitchFamily="18" charset="-34"/>
                 <a:cs typeface="Angsana New" panose="02020603050405020304" pitchFamily="18" charset="-34"/>
               </a:rPr>
-              <a:t>BATTERRY</a:t>
+              <a:t>Website Control</a:t>
             </a:r>
             <a:endParaRPr lang="en-US" sz="4400" b="1" dirty="0">
               <a:latin typeface="Angsana New" panose="02020603050405020304" pitchFamily="18" charset="-34"/>
@@ -10759,6 +10975,102 @@
           </a:p>
         </p:txBody>
       </p:sp>
+      <p:pic>
+        <p:nvPicPr>
+          <p:cNvPr id="4" name="Picture 3"/>
+          <p:cNvPicPr>
+            <a:picLocks noChangeAspect="1"/>
+          </p:cNvPicPr>
+          <p:nvPr/>
+        </p:nvPicPr>
+        <p:blipFill>
+          <a:blip r:embed="rId2"/>
+          <a:stretch>
+            <a:fillRect/>
+          </a:stretch>
+        </p:blipFill>
+        <p:spPr>
+          <a:xfrm>
+            <a:off x="3654829" y="1334239"/>
+            <a:ext cx="5181600" cy="523875"/>
+          </a:xfrm>
+          <a:prstGeom prst="rect">
+            <a:avLst/>
+          </a:prstGeom>
+        </p:spPr>
+      </p:pic>
+      <p:pic>
+        <p:nvPicPr>
+          <p:cNvPr id="7" name="Picture 6"/>
+          <p:cNvPicPr>
+            <a:picLocks noChangeAspect="1"/>
+          </p:cNvPicPr>
+          <p:nvPr/>
+        </p:nvPicPr>
+        <p:blipFill>
+          <a:blip r:embed="rId3"/>
+          <a:stretch>
+            <a:fillRect/>
+          </a:stretch>
+        </p:blipFill>
+        <p:spPr>
+          <a:xfrm>
+            <a:off x="4305428" y="1980686"/>
+            <a:ext cx="3880402" cy="1211667"/>
+          </a:xfrm>
+          <a:prstGeom prst="rect">
+            <a:avLst/>
+          </a:prstGeom>
+        </p:spPr>
+      </p:pic>
+      <p:pic>
+        <p:nvPicPr>
+          <p:cNvPr id="8" name="Picture 7"/>
+          <p:cNvPicPr>
+            <a:picLocks noChangeAspect="1"/>
+          </p:cNvPicPr>
+          <p:nvPr/>
+        </p:nvPicPr>
+        <p:blipFill>
+          <a:blip r:embed="rId4"/>
+          <a:stretch>
+            <a:fillRect/>
+          </a:stretch>
+        </p:blipFill>
+        <p:spPr>
+          <a:xfrm>
+            <a:off x="657137" y="3432288"/>
+            <a:ext cx="2997692" cy="2846548"/>
+          </a:xfrm>
+          <a:prstGeom prst="rect">
+            <a:avLst/>
+          </a:prstGeom>
+        </p:spPr>
+      </p:pic>
+      <p:pic>
+        <p:nvPicPr>
+          <p:cNvPr id="9" name="Picture 8"/>
+          <p:cNvPicPr>
+            <a:picLocks noChangeAspect="1"/>
+          </p:cNvPicPr>
+          <p:nvPr/>
+        </p:nvPicPr>
+        <p:blipFill>
+          <a:blip r:embed="rId5"/>
+          <a:stretch>
+            <a:fillRect/>
+          </a:stretch>
+        </p:blipFill>
+        <p:spPr>
+          <a:xfrm>
+            <a:off x="9019829" y="3554686"/>
+            <a:ext cx="2238375" cy="2724150"/>
+          </a:xfrm>
+          <a:prstGeom prst="rect">
+            <a:avLst/>
+          </a:prstGeom>
+        </p:spPr>
+      </p:pic>
     </p:spTree>
     <p:extLst>
       <p:ext uri="{BB962C8B-B14F-4D97-AF65-F5344CB8AC3E}">
@@ -10815,21 +11127,21 @@
           <a:p>
             <a:r>
               <a:rPr lang="en-US" sz="4400" b="1" dirty="0" err="1" smtClean="0">
-                <a:latin typeface="Angsana New" panose="02020603050405020304" pitchFamily="18" charset="-34"/>
-                <a:cs typeface="Angsana New" panose="02020603050405020304" pitchFamily="18" charset="-34"/>
+                <a:latin typeface="TH Sarabun New" panose="020B0500040200020003" pitchFamily="34" charset="-34"/>
+                <a:cs typeface="TH Sarabun New" panose="020B0500040200020003" pitchFamily="34" charset="-34"/>
               </a:rPr>
               <a:t>AnaLOG</a:t>
             </a:r>
             <a:r>
               <a:rPr lang="en-US" sz="4400" b="1" dirty="0" smtClean="0">
-                <a:latin typeface="Angsana New" panose="02020603050405020304" pitchFamily="18" charset="-34"/>
-                <a:cs typeface="Angsana New" panose="02020603050405020304" pitchFamily="18" charset="-34"/>
+                <a:latin typeface="TH Sarabun New" panose="020B0500040200020003" pitchFamily="34" charset="-34"/>
+                <a:cs typeface="TH Sarabun New" panose="020B0500040200020003" pitchFamily="34" charset="-34"/>
               </a:rPr>
               <a:t> IN</a:t>
             </a:r>
             <a:endParaRPr lang="en-US" sz="4400" b="1" dirty="0">
-              <a:latin typeface="Angsana New" panose="02020603050405020304" pitchFamily="18" charset="-34"/>
-              <a:cs typeface="Angsana New" panose="02020603050405020304" pitchFamily="18" charset="-34"/>
+              <a:latin typeface="TH Sarabun New" panose="020B0500040200020003" pitchFamily="34" charset="-34"/>
+              <a:cs typeface="TH Sarabun New" panose="020B0500040200020003" pitchFamily="34" charset="-34"/>
             </a:endParaRPr>
           </a:p>
         </p:txBody>

--- a/Paper/Proj_I_Smart LPWAN Farm Midterm.pptx
+++ b/Paper/Proj_I_Smart LPWAN Farm Midterm.pptx
@@ -202,7 +202,7 @@
           </a:lstStyle>
           <a:p>
             <a:r>
-              <a:rPr lang="en-US" smtClean="0"/>
+              <a:rPr lang="en-US"/>
               <a:t>Click to edit Master title style</a:t>
             </a:r>
             <a:endParaRPr lang="en-US" dirty="0"/>
@@ -275,7 +275,7 @@
           </a:lstStyle>
           <a:p>
             <a:r>
-              <a:rPr lang="en-US" smtClean="0"/>
+              <a:rPr lang="en-US"/>
               <a:t>Click to edit Master subtitle style</a:t>
             </a:r>
             <a:endParaRPr lang="en-US" dirty="0"/>
@@ -299,7 +299,7 @@
           <a:p>
             <a:fld id="{19BEE681-FE42-4587-8725-CE91BD1A8FE6}" type="datetimeFigureOut">
               <a:rPr lang="en-US" smtClean="0"/>
-              <a:t>9/30/2019</a:t>
+              <a:t>2/29/2020</a:t>
             </a:fld>
             <a:endParaRPr lang="en-US"/>
           </a:p>
@@ -432,7 +432,7 @@
           </a:lstStyle>
           <a:p>
             <a:r>
-              <a:rPr lang="en-US" smtClean="0"/>
+              <a:rPr lang="en-US"/>
               <a:t>Click to edit Master title style</a:t>
             </a:r>
             <a:endParaRPr lang="en-US" dirty="0"/>
@@ -522,7 +522,7 @@
           </a:lstStyle>
           <a:p>
             <a:r>
-              <a:rPr lang="en-US" smtClean="0"/>
+              <a:rPr lang="en-US"/>
               <a:t>Click icon to add picture</a:t>
             </a:r>
             <a:endParaRPr lang="en-US" dirty="0"/>
@@ -588,7 +588,7 @@
           <a:p>
             <a:pPr lvl="0"/>
             <a:r>
-              <a:rPr lang="en-US" smtClean="0"/>
+              <a:rPr lang="en-US"/>
               <a:t>Edit Master text styles</a:t>
             </a:r>
           </a:p>
@@ -611,7 +611,7 @@
           <a:p>
             <a:fld id="{19BEE681-FE42-4587-8725-CE91BD1A8FE6}" type="datetimeFigureOut">
               <a:rPr lang="en-US" smtClean="0"/>
-              <a:t>9/30/2019</a:t>
+              <a:t>2/29/2020</a:t>
             </a:fld>
             <a:endParaRPr lang="en-US"/>
           </a:p>
@@ -744,7 +744,7 @@
           </a:lstStyle>
           <a:p>
             <a:r>
-              <a:rPr lang="en-US" smtClean="0"/>
+              <a:rPr lang="en-US"/>
               <a:t>Click to edit Master title style</a:t>
             </a:r>
             <a:endParaRPr lang="en-US" dirty="0"/>
@@ -810,7 +810,7 @@
           <a:p>
             <a:pPr lvl="0"/>
             <a:r>
-              <a:rPr lang="en-US" smtClean="0"/>
+              <a:rPr lang="en-US"/>
               <a:t>Edit Master text styles</a:t>
             </a:r>
           </a:p>
@@ -833,7 +833,7 @@
           <a:p>
             <a:fld id="{19BEE681-FE42-4587-8725-CE91BD1A8FE6}" type="datetimeFigureOut">
               <a:rPr lang="en-US" smtClean="0"/>
-              <a:t>9/30/2019</a:t>
+              <a:t>2/29/2020</a:t>
             </a:fld>
             <a:endParaRPr lang="en-US"/>
           </a:p>
@@ -966,7 +966,7 @@
           </a:lstStyle>
           <a:p>
             <a:r>
-              <a:rPr lang="en-US" smtClean="0"/>
+              <a:rPr lang="en-US"/>
               <a:t>Click to edit Master title style</a:t>
             </a:r>
             <a:endParaRPr lang="en-US" dirty="0"/>
@@ -1034,7 +1034,7 @@
           <a:p>
             <a:pPr lvl="0"/>
             <a:r>
-              <a:rPr lang="en-US" smtClean="0"/>
+              <a:rPr lang="en-US"/>
               <a:t>Edit Master text styles</a:t>
             </a:r>
           </a:p>
@@ -1101,7 +1101,7 @@
           <a:p>
             <a:pPr lvl="0"/>
             <a:r>
-              <a:rPr lang="en-US" smtClean="0"/>
+              <a:rPr lang="en-US"/>
               <a:t>Edit Master text styles</a:t>
             </a:r>
           </a:p>
@@ -1124,7 +1124,7 @@
           <a:p>
             <a:fld id="{19BEE681-FE42-4587-8725-CE91BD1A8FE6}" type="datetimeFigureOut">
               <a:rPr lang="en-US" smtClean="0"/>
-              <a:t>9/30/2019</a:t>
+              <a:t>2/29/2020</a:t>
             </a:fld>
             <a:endParaRPr lang="en-US"/>
           </a:p>
@@ -1489,7 +1489,7 @@
           </a:lstStyle>
           <a:p>
             <a:r>
-              <a:rPr lang="en-US" smtClean="0"/>
+              <a:rPr lang="en-US"/>
               <a:t>Click to edit Master title style</a:t>
             </a:r>
             <a:endParaRPr lang="en-US" dirty="0"/>
@@ -1555,7 +1555,7 @@
           <a:p>
             <a:pPr lvl="0"/>
             <a:r>
-              <a:rPr lang="en-US" smtClean="0"/>
+              <a:rPr lang="en-US"/>
               <a:t>Edit Master text styles</a:t>
             </a:r>
           </a:p>
@@ -1578,7 +1578,7 @@
           <a:p>
             <a:fld id="{19BEE681-FE42-4587-8725-CE91BD1A8FE6}" type="datetimeFigureOut">
               <a:rPr lang="en-US" smtClean="0"/>
-              <a:t>9/30/2019</a:t>
+              <a:t>2/29/2020</a:t>
             </a:fld>
             <a:endParaRPr lang="en-US"/>
           </a:p>
@@ -1707,7 +1707,7 @@
           <a:lstStyle/>
           <a:p>
             <a:r>
-              <a:rPr lang="en-US" smtClean="0"/>
+              <a:rPr lang="en-US"/>
               <a:t>Click to edit Master title style</a:t>
             </a:r>
             <a:endParaRPr lang="en-US" dirty="0"/>
@@ -1782,7 +1782,7 @@
           <a:p>
             <a:pPr lvl="0"/>
             <a:r>
-              <a:rPr lang="en-US" smtClean="0"/>
+              <a:rPr lang="en-US"/>
               <a:t>Edit Master text styles</a:t>
             </a:r>
           </a:p>
@@ -1849,7 +1849,7 @@
           <a:p>
             <a:pPr lvl="0"/>
             <a:r>
-              <a:rPr lang="en-US" smtClean="0"/>
+              <a:rPr lang="en-US"/>
               <a:t>Edit Master text styles</a:t>
             </a:r>
           </a:p>
@@ -1923,7 +1923,7 @@
           <a:p>
             <a:pPr lvl="0"/>
             <a:r>
-              <a:rPr lang="en-US" smtClean="0"/>
+              <a:rPr lang="en-US"/>
               <a:t>Edit Master text styles</a:t>
             </a:r>
           </a:p>
@@ -1990,7 +1990,7 @@
           <a:p>
             <a:pPr lvl="0"/>
             <a:r>
-              <a:rPr lang="en-US" smtClean="0"/>
+              <a:rPr lang="en-US"/>
               <a:t>Edit Master text styles</a:t>
             </a:r>
           </a:p>
@@ -2064,7 +2064,7 @@
           <a:p>
             <a:pPr lvl="0"/>
             <a:r>
-              <a:rPr lang="en-US" smtClean="0"/>
+              <a:rPr lang="en-US"/>
               <a:t>Edit Master text styles</a:t>
             </a:r>
           </a:p>
@@ -2131,7 +2131,7 @@
           <a:p>
             <a:pPr lvl="0"/>
             <a:r>
-              <a:rPr lang="en-US" smtClean="0"/>
+              <a:rPr lang="en-US"/>
               <a:t>Edit Master text styles</a:t>
             </a:r>
           </a:p>
@@ -2154,7 +2154,7 @@
           <a:p>
             <a:fld id="{19BEE681-FE42-4587-8725-CE91BD1A8FE6}" type="datetimeFigureOut">
               <a:rPr lang="en-US" smtClean="0"/>
-              <a:t>9/30/2019</a:t>
+              <a:t>2/29/2020</a:t>
             </a:fld>
             <a:endParaRPr lang="en-US"/>
           </a:p>
@@ -2283,7 +2283,7 @@
           <a:lstStyle/>
           <a:p>
             <a:r>
-              <a:rPr lang="en-US" smtClean="0"/>
+              <a:rPr lang="en-US"/>
               <a:t>Click to edit Master title style</a:t>
             </a:r>
             <a:endParaRPr lang="en-US" dirty="0"/>
@@ -2358,7 +2358,7 @@
           <a:p>
             <a:pPr lvl="0"/>
             <a:r>
-              <a:rPr lang="en-US" smtClean="0"/>
+              <a:rPr lang="en-US"/>
               <a:t>Edit Master text styles</a:t>
             </a:r>
           </a:p>
@@ -2449,7 +2449,7 @@
           </a:lstStyle>
           <a:p>
             <a:r>
-              <a:rPr lang="en-US" smtClean="0"/>
+              <a:rPr lang="en-US"/>
               <a:t>Click icon to add picture</a:t>
             </a:r>
             <a:endParaRPr lang="en-US" dirty="0"/>
@@ -2517,7 +2517,7 @@
           <a:p>
             <a:pPr lvl="0"/>
             <a:r>
-              <a:rPr lang="en-US" smtClean="0"/>
+              <a:rPr lang="en-US"/>
               <a:t>Edit Master text styles</a:t>
             </a:r>
           </a:p>
@@ -2591,7 +2591,7 @@
           <a:p>
             <a:pPr lvl="0"/>
             <a:r>
-              <a:rPr lang="en-US" smtClean="0"/>
+              <a:rPr lang="en-US"/>
               <a:t>Edit Master text styles</a:t>
             </a:r>
           </a:p>
@@ -2682,7 +2682,7 @@
           </a:lstStyle>
           <a:p>
             <a:r>
-              <a:rPr lang="en-US" smtClean="0"/>
+              <a:rPr lang="en-US"/>
               <a:t>Click icon to add picture</a:t>
             </a:r>
             <a:endParaRPr lang="en-US" dirty="0"/>
@@ -2750,7 +2750,7 @@
           <a:p>
             <a:pPr lvl="0"/>
             <a:r>
-              <a:rPr lang="en-US" smtClean="0"/>
+              <a:rPr lang="en-US"/>
               <a:t>Edit Master text styles</a:t>
             </a:r>
           </a:p>
@@ -2824,7 +2824,7 @@
           <a:p>
             <a:pPr lvl="0"/>
             <a:r>
-              <a:rPr lang="en-US" smtClean="0"/>
+              <a:rPr lang="en-US"/>
               <a:t>Edit Master text styles</a:t>
             </a:r>
           </a:p>
@@ -2915,7 +2915,7 @@
           </a:lstStyle>
           <a:p>
             <a:r>
-              <a:rPr lang="en-US" smtClean="0"/>
+              <a:rPr lang="en-US"/>
               <a:t>Click icon to add picture</a:t>
             </a:r>
             <a:endParaRPr lang="en-US" dirty="0"/>
@@ -2983,7 +2983,7 @@
           <a:p>
             <a:pPr lvl="0"/>
             <a:r>
-              <a:rPr lang="en-US" smtClean="0"/>
+              <a:rPr lang="en-US"/>
               <a:t>Edit Master text styles</a:t>
             </a:r>
           </a:p>
@@ -3006,7 +3006,7 @@
           <a:p>
             <a:fld id="{19BEE681-FE42-4587-8725-CE91BD1A8FE6}" type="datetimeFigureOut">
               <a:rPr lang="en-US" smtClean="0"/>
-              <a:t>9/30/2019</a:t>
+              <a:t>2/29/2020</a:t>
             </a:fld>
             <a:endParaRPr lang="en-US"/>
           </a:p>
@@ -3130,7 +3130,7 @@
           <a:lstStyle/>
           <a:p>
             <a:r>
-              <a:rPr lang="en-US" smtClean="0"/>
+              <a:rPr lang="en-US"/>
               <a:t>Click to edit Master title style</a:t>
             </a:r>
             <a:endParaRPr lang="en-US" dirty="0"/>
@@ -3159,35 +3159,35 @@
           <a:p>
             <a:pPr lvl="0"/>
             <a:r>
-              <a:rPr lang="en-US" smtClean="0"/>
+              <a:rPr lang="en-US"/>
               <a:t>Edit Master text styles</a:t>
             </a:r>
           </a:p>
           <a:p>
             <a:pPr lvl="1"/>
             <a:r>
-              <a:rPr lang="en-US" smtClean="0"/>
+              <a:rPr lang="en-US"/>
               <a:t>Second level</a:t>
             </a:r>
           </a:p>
           <a:p>
             <a:pPr lvl="2"/>
             <a:r>
-              <a:rPr lang="en-US" smtClean="0"/>
+              <a:rPr lang="en-US"/>
               <a:t>Third level</a:t>
             </a:r>
           </a:p>
           <a:p>
             <a:pPr lvl="3"/>
             <a:r>
-              <a:rPr lang="en-US" smtClean="0"/>
+              <a:rPr lang="en-US"/>
               <a:t>Fourth level</a:t>
             </a:r>
           </a:p>
           <a:p>
             <a:pPr lvl="4"/>
             <a:r>
-              <a:rPr lang="en-US" smtClean="0"/>
+              <a:rPr lang="en-US"/>
               <a:t>Fifth level</a:t>
             </a:r>
             <a:endParaRPr lang="en-US" dirty="0"/>
@@ -3211,7 +3211,7 @@
           <a:p>
             <a:fld id="{19BEE681-FE42-4587-8725-CE91BD1A8FE6}" type="datetimeFigureOut">
               <a:rPr lang="en-US" smtClean="0"/>
-              <a:t>9/30/2019</a:t>
+              <a:t>2/29/2020</a:t>
             </a:fld>
             <a:endParaRPr lang="en-US"/>
           </a:p>
@@ -3344,7 +3344,7 @@
           </a:lstStyle>
           <a:p>
             <a:r>
-              <a:rPr lang="en-US" smtClean="0"/>
+              <a:rPr lang="en-US"/>
               <a:t>Click to edit Master title style</a:t>
             </a:r>
             <a:endParaRPr lang="en-US" dirty="0"/>
@@ -3373,35 +3373,35 @@
           <a:p>
             <a:pPr lvl="0"/>
             <a:r>
-              <a:rPr lang="en-US" smtClean="0"/>
+              <a:rPr lang="en-US"/>
               <a:t>Edit Master text styles</a:t>
             </a:r>
           </a:p>
           <a:p>
             <a:pPr lvl="1"/>
             <a:r>
-              <a:rPr lang="en-US" smtClean="0"/>
+              <a:rPr lang="en-US"/>
               <a:t>Second level</a:t>
             </a:r>
           </a:p>
           <a:p>
             <a:pPr lvl="2"/>
             <a:r>
-              <a:rPr lang="en-US" smtClean="0"/>
+              <a:rPr lang="en-US"/>
               <a:t>Third level</a:t>
             </a:r>
           </a:p>
           <a:p>
             <a:pPr lvl="3"/>
             <a:r>
-              <a:rPr lang="en-US" smtClean="0"/>
+              <a:rPr lang="en-US"/>
               <a:t>Fourth level</a:t>
             </a:r>
           </a:p>
           <a:p>
             <a:pPr lvl="4"/>
             <a:r>
-              <a:rPr lang="en-US" smtClean="0"/>
+              <a:rPr lang="en-US"/>
               <a:t>Fifth level</a:t>
             </a:r>
             <a:endParaRPr lang="en-US" dirty="0"/>
@@ -3425,7 +3425,7 @@
           <a:p>
             <a:fld id="{19BEE681-FE42-4587-8725-CE91BD1A8FE6}" type="datetimeFigureOut">
               <a:rPr lang="en-US" smtClean="0"/>
-              <a:t>9/30/2019</a:t>
+              <a:t>2/29/2020</a:t>
             </a:fld>
             <a:endParaRPr lang="en-US"/>
           </a:p>
@@ -3549,7 +3549,7 @@
           <a:lstStyle/>
           <a:p>
             <a:r>
-              <a:rPr lang="en-US" smtClean="0"/>
+              <a:rPr lang="en-US"/>
               <a:t>Click to edit Master title style</a:t>
             </a:r>
             <a:endParaRPr lang="en-US" dirty="0"/>
@@ -3578,35 +3578,35 @@
           <a:p>
             <a:pPr lvl="0"/>
             <a:r>
-              <a:rPr lang="en-US" smtClean="0"/>
+              <a:rPr lang="en-US"/>
               <a:t>Edit Master text styles</a:t>
             </a:r>
           </a:p>
           <a:p>
             <a:pPr lvl="1"/>
             <a:r>
-              <a:rPr lang="en-US" smtClean="0"/>
+              <a:rPr lang="en-US"/>
               <a:t>Second level</a:t>
             </a:r>
           </a:p>
           <a:p>
             <a:pPr lvl="2"/>
             <a:r>
-              <a:rPr lang="en-US" smtClean="0"/>
+              <a:rPr lang="en-US"/>
               <a:t>Third level</a:t>
             </a:r>
           </a:p>
           <a:p>
             <a:pPr lvl="3"/>
             <a:r>
-              <a:rPr lang="en-US" smtClean="0"/>
+              <a:rPr lang="en-US"/>
               <a:t>Fourth level</a:t>
             </a:r>
           </a:p>
           <a:p>
             <a:pPr lvl="4"/>
             <a:r>
-              <a:rPr lang="en-US" smtClean="0"/>
+              <a:rPr lang="en-US"/>
               <a:t>Fifth level</a:t>
             </a:r>
             <a:endParaRPr lang="en-US" dirty="0"/>
@@ -3630,7 +3630,7 @@
           <a:p>
             <a:fld id="{19BEE681-FE42-4587-8725-CE91BD1A8FE6}" type="datetimeFigureOut">
               <a:rPr lang="en-US" smtClean="0"/>
-              <a:t>9/30/2019</a:t>
+              <a:t>2/29/2020</a:t>
             </a:fld>
             <a:endParaRPr lang="en-US"/>
           </a:p>
@@ -3765,7 +3765,7 @@
           </a:lstStyle>
           <a:p>
             <a:r>
-              <a:rPr lang="en-US" smtClean="0"/>
+              <a:rPr lang="en-US"/>
               <a:t>Click to edit Master title style</a:t>
             </a:r>
             <a:endParaRPr lang="en-US" dirty="0"/>
@@ -3887,7 +3887,7 @@
           <a:p>
             <a:pPr lvl="0"/>
             <a:r>
-              <a:rPr lang="en-US" smtClean="0"/>
+              <a:rPr lang="en-US"/>
               <a:t>Edit Master text styles</a:t>
             </a:r>
           </a:p>
@@ -3910,7 +3910,7 @@
           <a:p>
             <a:fld id="{19BEE681-FE42-4587-8725-CE91BD1A8FE6}" type="datetimeFigureOut">
               <a:rPr lang="en-US" smtClean="0"/>
-              <a:t>9/30/2019</a:t>
+              <a:t>2/29/2020</a:t>
             </a:fld>
             <a:endParaRPr lang="en-US"/>
           </a:p>
@@ -4039,7 +4039,7 @@
           <a:lstStyle/>
           <a:p>
             <a:r>
-              <a:rPr lang="en-US" smtClean="0"/>
+              <a:rPr lang="en-US"/>
               <a:t>Click to edit Master title style</a:t>
             </a:r>
             <a:endParaRPr lang="en-US" dirty="0"/>
@@ -4068,35 +4068,35 @@
           <a:p>
             <a:pPr lvl="0"/>
             <a:r>
-              <a:rPr lang="en-US" smtClean="0"/>
+              <a:rPr lang="en-US"/>
               <a:t>Edit Master text styles</a:t>
             </a:r>
           </a:p>
           <a:p>
             <a:pPr lvl="1"/>
             <a:r>
-              <a:rPr lang="en-US" smtClean="0"/>
+              <a:rPr lang="en-US"/>
               <a:t>Second level</a:t>
             </a:r>
           </a:p>
           <a:p>
             <a:pPr lvl="2"/>
             <a:r>
-              <a:rPr lang="en-US" smtClean="0"/>
+              <a:rPr lang="en-US"/>
               <a:t>Third level</a:t>
             </a:r>
           </a:p>
           <a:p>
             <a:pPr lvl="3"/>
             <a:r>
-              <a:rPr lang="en-US" smtClean="0"/>
+              <a:rPr lang="en-US"/>
               <a:t>Fourth level</a:t>
             </a:r>
           </a:p>
           <a:p>
             <a:pPr lvl="4"/>
             <a:r>
-              <a:rPr lang="en-US" smtClean="0"/>
+              <a:rPr lang="en-US"/>
               <a:t>Fifth level</a:t>
             </a:r>
             <a:endParaRPr lang="en-US" dirty="0"/>
@@ -4125,35 +4125,35 @@
           <a:p>
             <a:pPr lvl="0"/>
             <a:r>
-              <a:rPr lang="en-US" smtClean="0"/>
+              <a:rPr lang="en-US"/>
               <a:t>Edit Master text styles</a:t>
             </a:r>
           </a:p>
           <a:p>
             <a:pPr lvl="1"/>
             <a:r>
-              <a:rPr lang="en-US" smtClean="0"/>
+              <a:rPr lang="en-US"/>
               <a:t>Second level</a:t>
             </a:r>
           </a:p>
           <a:p>
             <a:pPr lvl="2"/>
             <a:r>
-              <a:rPr lang="en-US" smtClean="0"/>
+              <a:rPr lang="en-US"/>
               <a:t>Third level</a:t>
             </a:r>
           </a:p>
           <a:p>
             <a:pPr lvl="3"/>
             <a:r>
-              <a:rPr lang="en-US" smtClean="0"/>
+              <a:rPr lang="en-US"/>
               <a:t>Fourth level</a:t>
             </a:r>
           </a:p>
           <a:p>
             <a:pPr lvl="4"/>
             <a:r>
-              <a:rPr lang="en-US" smtClean="0"/>
+              <a:rPr lang="en-US"/>
               <a:t>Fifth level</a:t>
             </a:r>
             <a:endParaRPr lang="en-US" dirty="0"/>
@@ -4177,7 +4177,7 @@
           <a:p>
             <a:fld id="{19BEE681-FE42-4587-8725-CE91BD1A8FE6}" type="datetimeFigureOut">
               <a:rPr lang="en-US" smtClean="0"/>
-              <a:t>9/30/2019</a:t>
+              <a:t>2/29/2020</a:t>
             </a:fld>
             <a:endParaRPr lang="en-US"/>
           </a:p>
@@ -4306,7 +4306,7 @@
           <a:lstStyle/>
           <a:p>
             <a:r>
-              <a:rPr lang="en-US" smtClean="0"/>
+              <a:rPr lang="en-US"/>
               <a:t>Click to edit Master title style</a:t>
             </a:r>
             <a:endParaRPr lang="en-US" dirty="0"/>
@@ -4381,7 +4381,7 @@
           <a:p>
             <a:pPr lvl="0"/>
             <a:r>
-              <a:rPr lang="en-US" smtClean="0"/>
+              <a:rPr lang="en-US"/>
               <a:t>Edit Master text styles</a:t>
             </a:r>
           </a:p>
@@ -4409,35 +4409,35 @@
           <a:p>
             <a:pPr lvl="0"/>
             <a:r>
-              <a:rPr lang="en-US" smtClean="0"/>
+              <a:rPr lang="en-US"/>
               <a:t>Edit Master text styles</a:t>
             </a:r>
           </a:p>
           <a:p>
             <a:pPr lvl="1"/>
             <a:r>
-              <a:rPr lang="en-US" smtClean="0"/>
+              <a:rPr lang="en-US"/>
               <a:t>Second level</a:t>
             </a:r>
           </a:p>
           <a:p>
             <a:pPr lvl="2"/>
             <a:r>
-              <a:rPr lang="en-US" smtClean="0"/>
+              <a:rPr lang="en-US"/>
               <a:t>Third level</a:t>
             </a:r>
           </a:p>
           <a:p>
             <a:pPr lvl="3"/>
             <a:r>
-              <a:rPr lang="en-US" smtClean="0"/>
+              <a:rPr lang="en-US"/>
               <a:t>Fourth level</a:t>
             </a:r>
           </a:p>
           <a:p>
             <a:pPr lvl="4"/>
             <a:r>
-              <a:rPr lang="en-US" smtClean="0"/>
+              <a:rPr lang="en-US"/>
               <a:t>Fifth level</a:t>
             </a:r>
             <a:endParaRPr lang="en-US" dirty="0"/>
@@ -4512,7 +4512,7 @@
           <a:p>
             <a:pPr lvl="0"/>
             <a:r>
-              <a:rPr lang="en-US" smtClean="0"/>
+              <a:rPr lang="en-US"/>
               <a:t>Edit Master text styles</a:t>
             </a:r>
           </a:p>
@@ -4540,35 +4540,35 @@
           <a:p>
             <a:pPr lvl="0"/>
             <a:r>
-              <a:rPr lang="en-US" smtClean="0"/>
+              <a:rPr lang="en-US"/>
               <a:t>Edit Master text styles</a:t>
             </a:r>
           </a:p>
           <a:p>
             <a:pPr lvl="1"/>
             <a:r>
-              <a:rPr lang="en-US" smtClean="0"/>
+              <a:rPr lang="en-US"/>
               <a:t>Second level</a:t>
             </a:r>
           </a:p>
           <a:p>
             <a:pPr lvl="2"/>
             <a:r>
-              <a:rPr lang="en-US" smtClean="0"/>
+              <a:rPr lang="en-US"/>
               <a:t>Third level</a:t>
             </a:r>
           </a:p>
           <a:p>
             <a:pPr lvl="3"/>
             <a:r>
-              <a:rPr lang="en-US" smtClean="0"/>
+              <a:rPr lang="en-US"/>
               <a:t>Fourth level</a:t>
             </a:r>
           </a:p>
           <a:p>
             <a:pPr lvl="4"/>
             <a:r>
-              <a:rPr lang="en-US" smtClean="0"/>
+              <a:rPr lang="en-US"/>
               <a:t>Fifth level</a:t>
             </a:r>
             <a:endParaRPr lang="en-US" dirty="0"/>
@@ -4592,7 +4592,7 @@
           <a:p>
             <a:fld id="{19BEE681-FE42-4587-8725-CE91BD1A8FE6}" type="datetimeFigureOut">
               <a:rPr lang="en-US" smtClean="0"/>
-              <a:t>9/30/2019</a:t>
+              <a:t>2/29/2020</a:t>
             </a:fld>
             <a:endParaRPr lang="en-US"/>
           </a:p>
@@ -4716,7 +4716,7 @@
           <a:lstStyle/>
           <a:p>
             <a:r>
-              <a:rPr lang="en-US" smtClean="0"/>
+              <a:rPr lang="en-US"/>
               <a:t>Click to edit Master title style</a:t>
             </a:r>
             <a:endParaRPr lang="en-US" dirty="0"/>
@@ -4740,7 +4740,7 @@
           <a:p>
             <a:fld id="{19BEE681-FE42-4587-8725-CE91BD1A8FE6}" type="datetimeFigureOut">
               <a:rPr lang="en-US" smtClean="0"/>
-              <a:t>9/30/2019</a:t>
+              <a:t>2/29/2020</a:t>
             </a:fld>
             <a:endParaRPr lang="en-US"/>
           </a:p>
@@ -4865,7 +4865,7 @@
           <a:p>
             <a:fld id="{19BEE681-FE42-4587-8725-CE91BD1A8FE6}" type="datetimeFigureOut">
               <a:rPr lang="en-US" smtClean="0"/>
-              <a:t>9/30/2019</a:t>
+              <a:t>2/29/2020</a:t>
             </a:fld>
             <a:endParaRPr lang="en-US"/>
           </a:p>
@@ -4998,7 +4998,7 @@
           </a:lstStyle>
           <a:p>
             <a:r>
-              <a:rPr lang="en-US" smtClean="0"/>
+              <a:rPr lang="en-US"/>
               <a:t>Click to edit Master title style</a:t>
             </a:r>
             <a:endParaRPr lang="en-US" dirty="0"/>
@@ -5027,35 +5027,35 @@
           <a:p>
             <a:pPr lvl="0"/>
             <a:r>
-              <a:rPr lang="en-US" smtClean="0"/>
+              <a:rPr lang="en-US"/>
               <a:t>Edit Master text styles</a:t>
             </a:r>
           </a:p>
           <a:p>
             <a:pPr lvl="1"/>
             <a:r>
-              <a:rPr lang="en-US" smtClean="0"/>
+              <a:rPr lang="en-US"/>
               <a:t>Second level</a:t>
             </a:r>
           </a:p>
           <a:p>
             <a:pPr lvl="2"/>
             <a:r>
-              <a:rPr lang="en-US" smtClean="0"/>
+              <a:rPr lang="en-US"/>
               <a:t>Third level</a:t>
             </a:r>
           </a:p>
           <a:p>
             <a:pPr lvl="3"/>
             <a:r>
-              <a:rPr lang="en-US" smtClean="0"/>
+              <a:rPr lang="en-US"/>
               <a:t>Fourth level</a:t>
             </a:r>
           </a:p>
           <a:p>
             <a:pPr lvl="4"/>
             <a:r>
-              <a:rPr lang="en-US" smtClean="0"/>
+              <a:rPr lang="en-US"/>
               <a:t>Fifth level</a:t>
             </a:r>
             <a:endParaRPr lang="en-US" dirty="0"/>
@@ -5121,7 +5121,7 @@
           <a:p>
             <a:pPr lvl="0"/>
             <a:r>
-              <a:rPr lang="en-US" smtClean="0"/>
+              <a:rPr lang="en-US"/>
               <a:t>Edit Master text styles</a:t>
             </a:r>
           </a:p>
@@ -5144,7 +5144,7 @@
           <a:p>
             <a:fld id="{19BEE681-FE42-4587-8725-CE91BD1A8FE6}" type="datetimeFigureOut">
               <a:rPr lang="en-US" smtClean="0"/>
-              <a:t>9/30/2019</a:t>
+              <a:t>2/29/2020</a:t>
             </a:fld>
             <a:endParaRPr lang="en-US"/>
           </a:p>
@@ -5277,7 +5277,7 @@
           </a:lstStyle>
           <a:p>
             <a:r>
-              <a:rPr lang="en-US" smtClean="0"/>
+              <a:rPr lang="en-US"/>
               <a:t>Click to edit Master title style</a:t>
             </a:r>
             <a:endParaRPr lang="en-US" dirty="0"/>
@@ -5367,7 +5367,7 @@
           </a:lstStyle>
           <a:p>
             <a:r>
-              <a:rPr lang="en-US" smtClean="0"/>
+              <a:rPr lang="en-US"/>
               <a:t>Click icon to add picture</a:t>
             </a:r>
             <a:endParaRPr lang="en-US" dirty="0"/>
@@ -5433,7 +5433,7 @@
           <a:p>
             <a:pPr lvl="0"/>
             <a:r>
-              <a:rPr lang="en-US" smtClean="0"/>
+              <a:rPr lang="en-US"/>
               <a:t>Edit Master text styles</a:t>
             </a:r>
           </a:p>
@@ -5456,7 +5456,7 @@
           <a:p>
             <a:fld id="{19BEE681-FE42-4587-8725-CE91BD1A8FE6}" type="datetimeFigureOut">
               <a:rPr lang="en-US" smtClean="0"/>
-              <a:t>9/30/2019</a:t>
+              <a:t>2/29/2020</a:t>
             </a:fld>
             <a:endParaRPr lang="en-US"/>
           </a:p>
@@ -5607,7 +5607,7 @@
           <a:lstStyle/>
           <a:p>
             <a:r>
-              <a:rPr lang="en-US" smtClean="0"/>
+              <a:rPr lang="en-US"/>
               <a:t>Click to edit Master title style</a:t>
             </a:r>
             <a:endParaRPr lang="en-US" dirty="0"/>
@@ -5641,35 +5641,35 @@
           <a:p>
             <a:pPr lvl="0"/>
             <a:r>
-              <a:rPr lang="en-US" smtClean="0"/>
+              <a:rPr lang="en-US"/>
               <a:t>Edit Master text styles</a:t>
             </a:r>
           </a:p>
           <a:p>
             <a:pPr lvl="1"/>
             <a:r>
-              <a:rPr lang="en-US" smtClean="0"/>
+              <a:rPr lang="en-US"/>
               <a:t>Second level</a:t>
             </a:r>
           </a:p>
           <a:p>
             <a:pPr lvl="2"/>
             <a:r>
-              <a:rPr lang="en-US" smtClean="0"/>
+              <a:rPr lang="en-US"/>
               <a:t>Third level</a:t>
             </a:r>
           </a:p>
           <a:p>
             <a:pPr lvl="3"/>
             <a:r>
-              <a:rPr lang="en-US" smtClean="0"/>
+              <a:rPr lang="en-US"/>
               <a:t>Fourth level</a:t>
             </a:r>
           </a:p>
           <a:p>
             <a:pPr lvl="4"/>
             <a:r>
-              <a:rPr lang="en-US" smtClean="0"/>
+              <a:rPr lang="en-US"/>
               <a:t>Fifth level</a:t>
             </a:r>
             <a:endParaRPr lang="en-US" dirty="0"/>
@@ -5709,7 +5709,7 @@
           <a:p>
             <a:fld id="{19BEE681-FE42-4587-8725-CE91BD1A8FE6}" type="datetimeFigureOut">
               <a:rPr lang="en-US" smtClean="0"/>
-              <a:t>9/30/2019</a:t>
+              <a:t>2/29/2020</a:t>
             </a:fld>
             <a:endParaRPr lang="en-US"/>
           </a:p>
@@ -6247,30 +6247,14 @@
           <a:p>
             <a:pPr algn="ctr"/>
             <a:r>
-              <a:rPr lang="th-TH" sz="3200" b="1" dirty="0" smtClean="0">
-                <a:latin typeface="TH Sarabun New" panose="020B0500040200020003" pitchFamily="34" charset="-34"/>
-                <a:ea typeface="Arial" charset="0"/>
-                <a:cs typeface="TH Sarabun New" panose="020B0500040200020003" pitchFamily="34" charset="-34"/>
-              </a:rPr>
-              <a:t>จัดทำโดย นายเจษฎ</a:t>
-            </a:r>
-            <a:r>
               <a:rPr lang="th-TH" sz="3200" b="1" dirty="0">
                 <a:latin typeface="TH Sarabun New" panose="020B0500040200020003" pitchFamily="34" charset="-34"/>
                 <a:ea typeface="Arial" charset="0"/>
                 <a:cs typeface="TH Sarabun New" panose="020B0500040200020003" pitchFamily="34" charset="-34"/>
               </a:rPr>
-              <a:t>า</a:t>
-            </a:r>
-            <a:r>
-              <a:rPr lang="th-TH" sz="3200" b="1" dirty="0" smtClean="0">
-                <a:latin typeface="TH Sarabun New" panose="020B0500040200020003" pitchFamily="34" charset="-34"/>
-                <a:ea typeface="Arial" charset="0"/>
-                <a:cs typeface="TH Sarabun New" panose="020B0500040200020003" pitchFamily="34" charset="-34"/>
-              </a:rPr>
-              <a:t>กร เกิดหนู รหัสนักศึกษา 5835512119</a:t>
-            </a:r>
-            <a:endParaRPr lang="en-US" sz="3200" b="1" dirty="0" smtClean="0">
+              <a:t>จัดทำโดย นายเจษฎากร เกิดหนู รหัสนักศึกษา 5835512119</a:t>
+            </a:r>
+            <a:endParaRPr lang="en-US" sz="3200" b="1" dirty="0">
               <a:latin typeface="TH Sarabun New" panose="020B0500040200020003" pitchFamily="34" charset="-34"/>
               <a:ea typeface="Arial" charset="0"/>
               <a:cs typeface="TH Sarabun New" panose="020B0500040200020003" pitchFamily="34" charset="-34"/>
@@ -6396,13 +6380,6 @@
   <p:clrMapOvr>
     <a:masterClrMapping/>
   </p:clrMapOvr>
-  <p:timing>
-    <p:tnLst>
-      <p:par>
-        <p:cTn id="1" dur="indefinite" restart="never" nodeType="tmRoot"/>
-      </p:par>
-    </p:tnLst>
-  </p:timing>
 </p:sld>
 </file>
 
@@ -6441,16 +6418,12 @@
           <a:lstStyle/>
           <a:p>
             <a:r>
-              <a:rPr lang="en-US" sz="4400" b="1" dirty="0" smtClean="0">
+              <a:rPr lang="en-US" sz="4400" b="1" dirty="0">
                 <a:latin typeface="TH Sarabun New" panose="020B0500040200020003" pitchFamily="34" charset="-34"/>
                 <a:cs typeface="TH Sarabun New" panose="020B0500040200020003" pitchFamily="34" charset="-34"/>
               </a:rPr>
               <a:t>Proxy Server</a:t>
             </a:r>
-            <a:endParaRPr lang="en-US" sz="4400" b="1" dirty="0">
-              <a:latin typeface="TH Sarabun New" panose="020B0500040200020003" pitchFamily="34" charset="-34"/>
-              <a:cs typeface="TH Sarabun New" panose="020B0500040200020003" pitchFamily="34" charset="-34"/>
-            </a:endParaRPr>
           </a:p>
         </p:txBody>
       </p:sp>
@@ -6553,16 +6526,12 @@
           <a:p>
             <a:pPr algn="ctr"/>
             <a:r>
-              <a:rPr lang="en-US" b="1" dirty="0" smtClean="0">
+              <a:rPr lang="en-US" b="1" dirty="0">
                 <a:latin typeface="Arial" pitchFamily="34" charset="0"/>
                 <a:cs typeface="Arial" pitchFamily="34" charset="0"/>
               </a:rPr>
               <a:t>7</a:t>
             </a:r>
-            <a:endParaRPr lang="en-US" b="1" dirty="0">
-              <a:latin typeface="Arial" pitchFamily="34" charset="0"/>
-              <a:cs typeface="Arial" pitchFamily="34" charset="0"/>
-            </a:endParaRPr>
           </a:p>
         </p:txBody>
       </p:sp>
@@ -6652,16 +6621,12 @@
           <a:lstStyle/>
           <a:p>
             <a:r>
-              <a:rPr lang="en-US" sz="3200" b="1" dirty="0" smtClean="0">
+              <a:rPr lang="en-US" sz="3200" b="1" dirty="0">
                 <a:latin typeface="Angsana New" panose="02020603050405020304" pitchFamily="18" charset="-34"/>
                 <a:cs typeface="Angsana New" panose="02020603050405020304" pitchFamily="18" charset="-34"/>
               </a:rPr>
               <a:t>USER</a:t>
             </a:r>
-            <a:endParaRPr lang="en-US" sz="3200" b="1" dirty="0">
-              <a:latin typeface="Angsana New" panose="02020603050405020304" pitchFamily="18" charset="-34"/>
-              <a:cs typeface="Angsana New" panose="02020603050405020304" pitchFamily="18" charset="-34"/>
-            </a:endParaRPr>
           </a:p>
         </p:txBody>
       </p:sp>
@@ -6688,14 +6653,14 @@
           <a:lstStyle/>
           <a:p>
             <a:r>
-              <a:rPr lang="en-US" sz="3200" b="1" dirty="0" smtClean="0">
+              <a:rPr lang="en-US" sz="3200" b="1" dirty="0">
                 <a:latin typeface="Angsana New" panose="02020603050405020304" pitchFamily="18" charset="-34"/>
                 <a:cs typeface="Angsana New" panose="02020603050405020304" pitchFamily="18" charset="-34"/>
               </a:rPr>
               <a:t>NB-</a:t>
             </a:r>
             <a:r>
-              <a:rPr lang="en-US" sz="3200" b="1" dirty="0" err="1" smtClean="0">
+              <a:rPr lang="en-US" sz="3200" b="1" dirty="0" err="1">
                 <a:latin typeface="Angsana New" panose="02020603050405020304" pitchFamily="18" charset="-34"/>
                 <a:cs typeface="Angsana New" panose="02020603050405020304" pitchFamily="18" charset="-34"/>
               </a:rPr>
@@ -6718,13 +6683,6 @@
   <p:clrMapOvr>
     <a:masterClrMapping/>
   </p:clrMapOvr>
-  <p:timing>
-    <p:tnLst>
-      <p:par>
-        <p:cTn id="1" dur="indefinite" restart="never" nodeType="tmRoot"/>
-      </p:par>
-    </p:tnLst>
-  </p:timing>
 </p:sld>
 </file>
 
@@ -6936,16 +6894,12 @@
           <a:p>
             <a:pPr algn="ctr"/>
             <a:r>
-              <a:rPr lang="en-US" b="1" dirty="0" smtClean="0">
+              <a:rPr lang="en-US" b="1" dirty="0">
                 <a:latin typeface="Arial" pitchFamily="34" charset="0"/>
                 <a:cs typeface="Arial" pitchFamily="34" charset="0"/>
               </a:rPr>
               <a:t>8</a:t>
             </a:r>
-            <a:endParaRPr lang="en-US" b="1" dirty="0">
-              <a:latin typeface="Arial" pitchFamily="34" charset="0"/>
-              <a:cs typeface="Arial" pitchFamily="34" charset="0"/>
-            </a:endParaRPr>
           </a:p>
         </p:txBody>
       </p:sp>
@@ -6959,13 +6913,6 @@
   <p:clrMapOvr>
     <a:masterClrMapping/>
   </p:clrMapOvr>
-  <p:timing>
-    <p:tnLst>
-      <p:par>
-        <p:cTn id="1" dur="indefinite" restart="never" nodeType="tmRoot"/>
-      </p:par>
-    </p:tnLst>
-  </p:timing>
 </p:sld>
 </file>
 
@@ -7004,23 +6951,19 @@
           <a:lstStyle/>
           <a:p>
             <a:r>
-              <a:rPr lang="en-US" sz="4800" b="1" dirty="0" err="1" smtClean="0">
+              <a:rPr lang="en-US" sz="4800" b="1" dirty="0" err="1">
                 <a:latin typeface="TH Sarabun New" panose="020B0500040200020003" pitchFamily="34" charset="-34"/>
                 <a:cs typeface="TH Sarabun New" panose="020B0500040200020003" pitchFamily="34" charset="-34"/>
               </a:rPr>
               <a:t>Realtime</a:t>
             </a:r>
             <a:r>
-              <a:rPr lang="en-US" sz="4800" b="1" dirty="0" smtClean="0">
+              <a:rPr lang="en-US" sz="4800" b="1" dirty="0">
                 <a:latin typeface="TH Sarabun New" panose="020B0500040200020003" pitchFamily="34" charset="-34"/>
                 <a:cs typeface="TH Sarabun New" panose="020B0500040200020003" pitchFamily="34" charset="-34"/>
               </a:rPr>
               <a:t> graph</a:t>
             </a:r>
-            <a:endParaRPr lang="en-US" sz="4800" b="1" dirty="0">
-              <a:latin typeface="TH Sarabun New" panose="020B0500040200020003" pitchFamily="34" charset="-34"/>
-              <a:cs typeface="TH Sarabun New" panose="020B0500040200020003" pitchFamily="34" charset="-34"/>
-            </a:endParaRPr>
           </a:p>
         </p:txBody>
       </p:sp>
@@ -7142,16 +7085,12 @@
           <a:p>
             <a:pPr algn="ctr"/>
             <a:r>
-              <a:rPr lang="en-US" b="1" dirty="0" smtClean="0">
+              <a:rPr lang="en-US" b="1" dirty="0">
                 <a:latin typeface="Arial" pitchFamily="34" charset="0"/>
                 <a:cs typeface="Arial" pitchFamily="34" charset="0"/>
               </a:rPr>
               <a:t>9</a:t>
             </a:r>
-            <a:endParaRPr lang="en-US" b="1" dirty="0">
-              <a:latin typeface="Arial" pitchFamily="34" charset="0"/>
-              <a:cs typeface="Arial" pitchFamily="34" charset="0"/>
-            </a:endParaRPr>
           </a:p>
         </p:txBody>
       </p:sp>
@@ -7189,13 +7128,6 @@
   <p:clrMapOvr>
     <a:masterClrMapping/>
   </p:clrMapOvr>
-  <p:timing>
-    <p:tnLst>
-      <p:par>
-        <p:cTn id="1" dur="indefinite" restart="never" nodeType="tmRoot"/>
-      </p:par>
-    </p:tnLst>
-  </p:timing>
 </p:sld>
 </file>
 
@@ -7234,7 +7166,7 @@
           <a:lstStyle/>
           <a:p>
             <a:r>
-              <a:rPr lang="en-US" sz="6000" b="1" dirty="0" err="1" smtClean="0">
+              <a:rPr lang="en-US" sz="6000" b="1" dirty="0" err="1">
                 <a:latin typeface="TH Sarabun New" panose="020B0500040200020003" pitchFamily="34" charset="-34"/>
                 <a:cs typeface="TH Sarabun New" panose="020B0500040200020003" pitchFamily="34" charset="-34"/>
               </a:rPr>
@@ -7346,16 +7278,12 @@
           <a:p>
             <a:pPr algn="ctr"/>
             <a:r>
-              <a:rPr lang="en-US" b="1" dirty="0" smtClean="0">
+              <a:rPr lang="en-US" b="1" dirty="0">
                 <a:latin typeface="Arial" pitchFamily="34" charset="0"/>
                 <a:cs typeface="Arial" pitchFamily="34" charset="0"/>
               </a:rPr>
               <a:t>10</a:t>
             </a:r>
-            <a:endParaRPr lang="en-US" b="1" dirty="0">
-              <a:latin typeface="Arial" pitchFamily="34" charset="0"/>
-              <a:cs typeface="Arial" pitchFamily="34" charset="0"/>
-            </a:endParaRPr>
           </a:p>
         </p:txBody>
       </p:sp>
@@ -7430,13 +7358,6 @@
   <p:clrMapOvr>
     <a:masterClrMapping/>
   </p:clrMapOvr>
-  <p:timing>
-    <p:tnLst>
-      <p:par>
-        <p:cTn id="1" dur="indefinite" restart="never" nodeType="tmRoot"/>
-      </p:par>
-    </p:tnLst>
-  </p:timing>
 </p:sld>
 </file>
 
@@ -7475,7 +7396,7 @@
           <a:lstStyle/>
           <a:p>
             <a:r>
-              <a:rPr lang="th-TH" sz="4400" b="1" dirty="0" smtClean="0">
+              <a:rPr lang="th-TH" sz="4400" b="1" dirty="0">
                 <a:latin typeface="Angsana New" panose="02020603050405020304" pitchFamily="18" charset="-34"/>
                 <a:cs typeface="Angsana New" panose="02020603050405020304" pitchFamily="18" charset="-34"/>
               </a:rPr>
@@ -7584,35 +7505,35 @@
           <a:lstStyle/>
           <a:p>
             <a:r>
-              <a:rPr lang="en-US" sz="3600" dirty="0" smtClean="0">
+              <a:rPr lang="en-US" sz="3600" dirty="0">
                 <a:latin typeface="TH Sarabun New" panose="020B0500040200020003" pitchFamily="34" charset="-34"/>
                 <a:cs typeface="TH Sarabun New" panose="020B0500040200020003" pitchFamily="34" charset="-34"/>
               </a:rPr>
               <a:t>Life cycle react </a:t>
             </a:r>
             <a:r>
-              <a:rPr lang="th-TH" sz="3600" dirty="0" smtClean="0">
+              <a:rPr lang="th-TH" sz="3600" dirty="0">
                 <a:latin typeface="TH Sarabun New" panose="020B0500040200020003" pitchFamily="34" charset="-34"/>
                 <a:cs typeface="TH Sarabun New" panose="020B0500040200020003" pitchFamily="34" charset="-34"/>
               </a:rPr>
               <a:t>กับระบบ </a:t>
             </a:r>
             <a:r>
-              <a:rPr lang="en-US" sz="3600" dirty="0" err="1" smtClean="0">
+              <a:rPr lang="en-US" sz="3600" dirty="0" err="1">
                 <a:latin typeface="TH Sarabun New" panose="020B0500040200020003" pitchFamily="34" charset="-34"/>
                 <a:cs typeface="TH Sarabun New" panose="020B0500040200020003" pitchFamily="34" charset="-34"/>
               </a:rPr>
               <a:t>socketio</a:t>
             </a:r>
             <a:r>
-              <a:rPr lang="en-US" sz="3600" dirty="0" smtClean="0">
+              <a:rPr lang="en-US" sz="3600" dirty="0">
                 <a:latin typeface="TH Sarabun New" panose="020B0500040200020003" pitchFamily="34" charset="-34"/>
                 <a:cs typeface="TH Sarabun New" panose="020B0500040200020003" pitchFamily="34" charset="-34"/>
               </a:rPr>
               <a:t> </a:t>
             </a:r>
             <a:r>
-              <a:rPr lang="th-TH" sz="3600" dirty="0" smtClean="0">
+              <a:rPr lang="th-TH" sz="3600" dirty="0">
                 <a:latin typeface="TH Sarabun New" panose="020B0500040200020003" pitchFamily="34" charset="-34"/>
                 <a:cs typeface="TH Sarabun New" panose="020B0500040200020003" pitchFamily="34" charset="-34"/>
               </a:rPr>
@@ -7621,56 +7542,56 @@
           </a:p>
           <a:p>
             <a:r>
-              <a:rPr lang="th-TH" sz="3600" dirty="0" smtClean="0">
+              <a:rPr lang="th-TH" sz="3600" dirty="0">
                 <a:latin typeface="TH Sarabun New" panose="020B0500040200020003" pitchFamily="34" charset="-34"/>
                 <a:cs typeface="TH Sarabun New" panose="020B0500040200020003" pitchFamily="34" charset="-34"/>
               </a:rPr>
               <a:t>การส่งข้อมูลจาก </a:t>
             </a:r>
             <a:r>
-              <a:rPr lang="en-US" sz="3600" dirty="0" smtClean="0">
+              <a:rPr lang="en-US" sz="3600" dirty="0">
                 <a:latin typeface="TH Sarabun New" panose="020B0500040200020003" pitchFamily="34" charset="-34"/>
                 <a:cs typeface="TH Sarabun New" panose="020B0500040200020003" pitchFamily="34" charset="-34"/>
               </a:rPr>
               <a:t>backend </a:t>
             </a:r>
             <a:r>
-              <a:rPr lang="th-TH" sz="3600" dirty="0" smtClean="0">
+              <a:rPr lang="th-TH" sz="3600" dirty="0">
                 <a:latin typeface="TH Sarabun New" panose="020B0500040200020003" pitchFamily="34" charset="-34"/>
                 <a:cs typeface="TH Sarabun New" panose="020B0500040200020003" pitchFamily="34" charset="-34"/>
               </a:rPr>
               <a:t>ไปสู่ </a:t>
             </a:r>
             <a:r>
-              <a:rPr lang="en-US" sz="3600" dirty="0" err="1" smtClean="0">
+              <a:rPr lang="en-US" sz="3600" dirty="0" err="1">
                 <a:latin typeface="TH Sarabun New" panose="020B0500040200020003" pitchFamily="34" charset="-34"/>
                 <a:cs typeface="TH Sarabun New" panose="020B0500040200020003" pitchFamily="34" charset="-34"/>
               </a:rPr>
               <a:t>nb-iot</a:t>
             </a:r>
             <a:r>
-              <a:rPr lang="en-US" sz="3600" dirty="0" smtClean="0">
+              <a:rPr lang="en-US" sz="3600" dirty="0">
                 <a:latin typeface="TH Sarabun New" panose="020B0500040200020003" pitchFamily="34" charset="-34"/>
                 <a:cs typeface="TH Sarabun New" panose="020B0500040200020003" pitchFamily="34" charset="-34"/>
               </a:rPr>
               <a:t> </a:t>
             </a:r>
             <a:r>
-              <a:rPr lang="th-TH" sz="3600" dirty="0" smtClean="0">
+              <a:rPr lang="th-TH" sz="3600" dirty="0">
                 <a:latin typeface="TH Sarabun New" panose="020B0500040200020003" pitchFamily="34" charset="-34"/>
                 <a:cs typeface="TH Sarabun New" panose="020B0500040200020003" pitchFamily="34" charset="-34"/>
               </a:rPr>
               <a:t>ต้องใช้</a:t>
             </a:r>
             <a:r>
-              <a:rPr lang="en-US" sz="3600" dirty="0" smtClean="0">
+              <a:rPr lang="en-US" sz="3600" dirty="0">
                 <a:latin typeface="TH Sarabun New" panose="020B0500040200020003" pitchFamily="34" charset="-34"/>
                 <a:cs typeface="TH Sarabun New" panose="020B0500040200020003" pitchFamily="34" charset="-34"/>
               </a:rPr>
               <a:t> buffer </a:t>
             </a:r>
             <a:r>
-              <a:rPr lang="th-TH" sz="3600" dirty="0" smtClean="0">
+              <a:rPr lang="th-TH" sz="3600" dirty="0">
                 <a:latin typeface="TH Sarabun New" panose="020B0500040200020003" pitchFamily="34" charset="-34"/>
                 <a:cs typeface="TH Sarabun New" panose="020B0500040200020003" pitchFamily="34" charset="-34"/>
               </a:rPr>
@@ -7679,59 +7600,45 @@
           </a:p>
           <a:p>
             <a:r>
-              <a:rPr lang="th-TH" sz="3600" dirty="0" smtClean="0">
+              <a:rPr lang="th-TH" sz="3600" dirty="0">
                 <a:latin typeface="TH Sarabun New" panose="020B0500040200020003" pitchFamily="34" charset="-34"/>
                 <a:cs typeface="TH Sarabun New" panose="020B0500040200020003" pitchFamily="34" charset="-34"/>
               </a:rPr>
               <a:t>มีปัญหาเรื่องระบบ </a:t>
             </a:r>
             <a:r>
-              <a:rPr lang="en-US" sz="3600" dirty="0" smtClean="0">
+              <a:rPr lang="en-US" sz="3600" dirty="0">
                 <a:latin typeface="TH Sarabun New" panose="020B0500040200020003" pitchFamily="34" charset="-34"/>
                 <a:cs typeface="TH Sarabun New" panose="020B0500040200020003" pitchFamily="34" charset="-34"/>
               </a:rPr>
               <a:t>firewall</a:t>
             </a:r>
-            <a:endParaRPr lang="th-TH" sz="3600" dirty="0" smtClean="0">
+            <a:endParaRPr lang="th-TH" sz="3600" dirty="0">
               <a:latin typeface="TH Sarabun New" panose="020B0500040200020003" pitchFamily="34" charset="-34"/>
               <a:cs typeface="TH Sarabun New" panose="020B0500040200020003" pitchFamily="34" charset="-34"/>
             </a:endParaRPr>
           </a:p>
           <a:p>
             <a:r>
-              <a:rPr lang="th-TH" sz="3600" dirty="0" smtClean="0">
+              <a:rPr lang="th-TH" sz="3600" dirty="0">
                 <a:latin typeface="TH Sarabun New" panose="020B0500040200020003" pitchFamily="34" charset="-34"/>
                 <a:cs typeface="TH Sarabun New" panose="020B0500040200020003" pitchFamily="34" charset="-34"/>
               </a:rPr>
-              <a:t>เรื่องพลังงาน</a:t>
-            </a:r>
-            <a:r>
-              <a:rPr lang="th-TH" sz="3600" dirty="0" smtClean="0">
-                <a:latin typeface="TH Sarabun New" panose="020B0500040200020003" pitchFamily="34" charset="-34"/>
-                <a:cs typeface="TH Sarabun New" panose="020B0500040200020003" pitchFamily="34" charset="-34"/>
-              </a:rPr>
-              <a:t>ในช่ว</a:t>
-            </a:r>
-            <a:r>
-              <a:rPr lang="en-US" sz="3600" dirty="0" smtClean="0">
+              <a:t>เรื่องพลังงานในช่ว</a:t>
+            </a:r>
+            <a:r>
+              <a:rPr lang="en-US" sz="3600" dirty="0">
                 <a:latin typeface="TH Sarabun New" panose="020B0500040200020003" pitchFamily="34" charset="-34"/>
                 <a:cs typeface="TH Sarabun New" panose="020B0500040200020003" pitchFamily="34" charset="-34"/>
               </a:rPr>
               <a:t>’</a:t>
             </a:r>
             <a:r>
-              <a:rPr lang="th-TH" sz="3600" dirty="0" smtClean="0">
+              <a:rPr lang="th-TH" sz="3600" dirty="0">
                 <a:latin typeface="TH Sarabun New" panose="020B0500040200020003" pitchFamily="34" charset="-34"/>
                 <a:cs typeface="TH Sarabun New" panose="020B0500040200020003" pitchFamily="34" charset="-34"/>
               </a:rPr>
-              <a:t>แดด</a:t>
-            </a:r>
-            <a:r>
-              <a:rPr lang="th-TH" sz="3600" dirty="0" smtClean="0">
-                <a:latin typeface="TH Sarabun New" panose="020B0500040200020003" pitchFamily="34" charset="-34"/>
-                <a:cs typeface="TH Sarabun New" panose="020B0500040200020003" pitchFamily="34" charset="-34"/>
-              </a:rPr>
-              <a:t>อ่อน</a:t>
+              <a:t>แดดอ่อน</a:t>
             </a:r>
             <a:endParaRPr lang="en-US" sz="3600" dirty="0">
               <a:latin typeface="TH Sarabun New" panose="020B0500040200020003" pitchFamily="34" charset="-34"/>
@@ -7766,16 +7673,12 @@
           <a:p>
             <a:pPr algn="ctr"/>
             <a:r>
-              <a:rPr lang="en-US" b="1" dirty="0" smtClean="0">
+              <a:rPr lang="en-US" b="1" dirty="0">
                 <a:latin typeface="Arial" pitchFamily="34" charset="0"/>
                 <a:cs typeface="Arial" pitchFamily="34" charset="0"/>
               </a:rPr>
               <a:t>11</a:t>
             </a:r>
-            <a:endParaRPr lang="en-US" b="1" dirty="0">
-              <a:latin typeface="Arial" pitchFamily="34" charset="0"/>
-              <a:cs typeface="Arial" pitchFamily="34" charset="0"/>
-            </a:endParaRPr>
           </a:p>
         </p:txBody>
       </p:sp>
@@ -7789,13 +7692,6 @@
   <p:clrMapOvr>
     <a:masterClrMapping/>
   </p:clrMapOvr>
-  <p:timing>
-    <p:tnLst>
-      <p:par>
-        <p:cTn id="1" dur="indefinite" restart="never" nodeType="tmRoot"/>
-      </p:par>
-    </p:tnLst>
-  </p:timing>
 </p:sld>
 </file>
 
@@ -7838,14 +7734,7 @@
                 <a:latin typeface="TH Sarabun New" panose="020B0500040200020003" pitchFamily="34" charset="-34"/>
                 <a:cs typeface="TH Sarabun New" panose="020B0500040200020003" pitchFamily="34" charset="-34"/>
               </a:rPr>
-              <a:t>เป้าหมายที่คาดว่าจะ</a:t>
-            </a:r>
-            <a:r>
-              <a:rPr lang="th-TH" sz="4400" b="1" dirty="0" smtClean="0">
-                <a:latin typeface="TH Sarabun New" panose="020B0500040200020003" pitchFamily="34" charset="-34"/>
-                <a:cs typeface="TH Sarabun New" panose="020B0500040200020003" pitchFamily="34" charset="-34"/>
-              </a:rPr>
-              <a:t>ดำเนินการต่อ</a:t>
+              <a:t>เป้าหมายที่คาดว่าจะดำเนินการต่อ</a:t>
             </a:r>
             <a:endParaRPr lang="en-US" sz="4400" b="1" dirty="0">
               <a:latin typeface="TH Sarabun New" panose="020B0500040200020003" pitchFamily="34" charset="-34"/>
@@ -7870,7 +7759,7 @@
           <a:lstStyle/>
           <a:p>
             <a:r>
-              <a:rPr lang="th-TH" sz="3600" dirty="0" smtClean="0">
+              <a:rPr lang="th-TH" sz="3600" dirty="0">
                 <a:latin typeface="TH Sarabun New" panose="020B0500040200020003" pitchFamily="34" charset="-34"/>
                 <a:cs typeface="TH Sarabun New" panose="020B0500040200020003" pitchFamily="34" charset="-34"/>
               </a:rPr>
@@ -7879,21 +7768,21 @@
           </a:p>
           <a:p>
             <a:r>
-              <a:rPr lang="th-TH" sz="3600" dirty="0" smtClean="0">
+              <a:rPr lang="th-TH" sz="3600" dirty="0">
                 <a:latin typeface="TH Sarabun New" panose="020B0500040200020003" pitchFamily="34" charset="-34"/>
                 <a:cs typeface="TH Sarabun New" panose="020B0500040200020003" pitchFamily="34" charset="-34"/>
               </a:rPr>
               <a:t>ทำหน้า </a:t>
             </a:r>
             <a:r>
-              <a:rPr lang="en-US" sz="3600" dirty="0" smtClean="0">
+              <a:rPr lang="en-US" sz="3600" dirty="0">
                 <a:latin typeface="TH Sarabun New" panose="020B0500040200020003" pitchFamily="34" charset="-34"/>
                 <a:cs typeface="TH Sarabun New" panose="020B0500040200020003" pitchFamily="34" charset="-34"/>
               </a:rPr>
               <a:t>UX/UI</a:t>
             </a:r>
             <a:r>
-              <a:rPr lang="th-TH" sz="3600" dirty="0" smtClean="0">
+              <a:rPr lang="th-TH" sz="3600" dirty="0">
                 <a:latin typeface="TH Sarabun New" panose="020B0500040200020003" pitchFamily="34" charset="-34"/>
                 <a:cs typeface="TH Sarabun New" panose="020B0500040200020003" pitchFamily="34" charset="-34"/>
               </a:rPr>
@@ -7902,41 +7791,41 @@
           </a:p>
           <a:p>
             <a:r>
-              <a:rPr lang="th-TH" sz="3600" dirty="0" smtClean="0">
+              <a:rPr lang="th-TH" sz="3600" dirty="0">
                 <a:latin typeface="TH Sarabun New" panose="020B0500040200020003" pitchFamily="34" charset="-34"/>
                 <a:cs typeface="TH Sarabun New" panose="020B0500040200020003" pitchFamily="34" charset="-34"/>
               </a:rPr>
               <a:t>เชื่อมต่อและใช้คำสั่งต่าง ๆ ในแอพพลิเคชั่นมากขึ้น</a:t>
             </a:r>
-            <a:endParaRPr lang="en-US" sz="3600" dirty="0" smtClean="0">
+            <a:endParaRPr lang="en-US" sz="3600" dirty="0">
               <a:latin typeface="TH Sarabun New" panose="020B0500040200020003" pitchFamily="34" charset="-34"/>
               <a:cs typeface="TH Sarabun New" panose="020B0500040200020003" pitchFamily="34" charset="-34"/>
             </a:endParaRPr>
           </a:p>
           <a:p>
             <a:r>
-              <a:rPr lang="th-TH" sz="3600" dirty="0" smtClean="0">
+              <a:rPr lang="th-TH" sz="3600" dirty="0">
                 <a:latin typeface="TH Sarabun New" panose="020B0500040200020003" pitchFamily="34" charset="-34"/>
                 <a:cs typeface="TH Sarabun New" panose="020B0500040200020003" pitchFamily="34" charset="-34"/>
               </a:rPr>
               <a:t>นำ </a:t>
             </a:r>
             <a:r>
-              <a:rPr lang="en-US" sz="3600" dirty="0" err="1" smtClean="0">
+              <a:rPr lang="en-US" sz="3600" dirty="0" err="1">
                 <a:latin typeface="TH Sarabun New" panose="020B0500040200020003" pitchFamily="34" charset="-34"/>
                 <a:cs typeface="TH Sarabun New" panose="020B0500040200020003" pitchFamily="34" charset="-34"/>
               </a:rPr>
               <a:t>Machiene</a:t>
             </a:r>
             <a:r>
-              <a:rPr lang="en-US" sz="3600" dirty="0" smtClean="0">
+              <a:rPr lang="en-US" sz="3600" dirty="0">
                 <a:latin typeface="TH Sarabun New" panose="020B0500040200020003" pitchFamily="34" charset="-34"/>
                 <a:cs typeface="TH Sarabun New" panose="020B0500040200020003" pitchFamily="34" charset="-34"/>
               </a:rPr>
               <a:t> learning </a:t>
             </a:r>
             <a:r>
-              <a:rPr lang="th-TH" sz="3600" dirty="0" smtClean="0">
+              <a:rPr lang="th-TH" sz="3600" dirty="0">
                 <a:latin typeface="TH Sarabun New" panose="020B0500040200020003" pitchFamily="34" charset="-34"/>
                 <a:cs typeface="TH Sarabun New" panose="020B0500040200020003" pitchFamily="34" charset="-34"/>
               </a:rPr>
@@ -8050,16 +7939,12 @@
           <a:p>
             <a:pPr algn="ctr"/>
             <a:r>
-              <a:rPr lang="en-US" b="1" dirty="0" smtClean="0">
+              <a:rPr lang="en-US" b="1" dirty="0">
                 <a:latin typeface="Arial" pitchFamily="34" charset="0"/>
                 <a:cs typeface="Arial" pitchFamily="34" charset="0"/>
               </a:rPr>
               <a:t>12</a:t>
             </a:r>
-            <a:endParaRPr lang="en-US" b="1" dirty="0">
-              <a:latin typeface="Arial" pitchFamily="34" charset="0"/>
-              <a:cs typeface="Arial" pitchFamily="34" charset="0"/>
-            </a:endParaRPr>
           </a:p>
         </p:txBody>
       </p:sp>
@@ -8073,13 +7958,6 @@
   <p:clrMapOvr>
     <a:masterClrMapping/>
   </p:clrMapOvr>
-  <p:timing>
-    <p:tnLst>
-      <p:par>
-        <p:cTn id="1" dur="indefinite" restart="never" nodeType="tmRoot"/>
-      </p:par>
-    </p:tnLst>
-  </p:timing>
 </p:sld>
 </file>
 
@@ -8122,14 +8000,7 @@
                 <a:latin typeface="TH Sarabun New" panose="020B0500040200020003" pitchFamily="34" charset="-34"/>
                 <a:cs typeface="TH Sarabun New" panose="020B0500040200020003" pitchFamily="34" charset="-34"/>
               </a:rPr>
-              <a:t>สรุปผลการทำ</a:t>
-            </a:r>
-            <a:r>
-              <a:rPr lang="th-TH" sz="4400" b="1" dirty="0" smtClean="0">
-                <a:latin typeface="TH Sarabun New" panose="020B0500040200020003" pitchFamily="34" charset="-34"/>
-                <a:cs typeface="TH Sarabun New" panose="020B0500040200020003" pitchFamily="34" charset="-34"/>
-              </a:rPr>
-              <a:t>โครงงาน</a:t>
+              <a:t>สรุปผลการทำโครงงาน</a:t>
             </a:r>
             <a:endParaRPr lang="en-US" sz="4400" b="1" dirty="0">
               <a:latin typeface="TH Sarabun New" panose="020B0500040200020003" pitchFamily="34" charset="-34"/>
@@ -8154,7 +8025,7 @@
           <a:lstStyle/>
           <a:p>
             <a:r>
-              <a:rPr lang="th-TH" sz="3200" dirty="0" smtClean="0">
+              <a:rPr lang="th-TH" sz="3200" dirty="0">
                 <a:latin typeface="TH Sarabun New" panose="020B0500040200020003" pitchFamily="34" charset="-34"/>
                 <a:cs typeface="TH Sarabun New" panose="020B0500040200020003" pitchFamily="34" charset="-34"/>
               </a:rPr>
@@ -8163,14 +8034,14 @@
           </a:p>
           <a:p>
             <a:r>
-              <a:rPr lang="th-TH" sz="3200" dirty="0" smtClean="0">
+              <a:rPr lang="th-TH" sz="3200" dirty="0">
                 <a:latin typeface="TH Sarabun New" panose="020B0500040200020003" pitchFamily="34" charset="-34"/>
                 <a:cs typeface="TH Sarabun New" panose="020B0500040200020003" pitchFamily="34" charset="-34"/>
                 <a:sym typeface="Wingdings" panose="05000000000000000000" pitchFamily="2" charset="2"/>
               </a:rPr>
               <a:t>ออกแบบหน้าตาการใช้งานคร่าว ๆ</a:t>
             </a:r>
-            <a:endParaRPr lang="en-US" sz="3200" dirty="0" smtClean="0">
+            <a:endParaRPr lang="en-US" sz="3200" dirty="0">
               <a:latin typeface="TH Sarabun New" panose="020B0500040200020003" pitchFamily="34" charset="-34"/>
               <a:cs typeface="TH Sarabun New" panose="020B0500040200020003" pitchFamily="34" charset="-34"/>
               <a:sym typeface="Wingdings" panose="05000000000000000000" pitchFamily="2" charset="2"/>
@@ -8178,23 +8049,12 @@
           </a:p>
           <a:p>
             <a:r>
-              <a:rPr lang="th-TH" sz="3200" dirty="0" smtClean="0">
+              <a:rPr lang="th-TH" sz="3200" dirty="0">
                 <a:latin typeface="TH Sarabun New" panose="020B0500040200020003" pitchFamily="34" charset="-34"/>
                 <a:cs typeface="TH Sarabun New" panose="020B0500040200020003" pitchFamily="34" charset="-34"/>
               </a:rPr>
-              <a:t>จัดทำโมเดลกล่อง</a:t>
-            </a:r>
-            <a:r>
-              <a:rPr lang="th-TH" sz="3200" dirty="0" smtClean="0">
-                <a:latin typeface="TH Sarabun New" panose="020B0500040200020003" pitchFamily="34" charset="-34"/>
-                <a:cs typeface="TH Sarabun New" panose="020B0500040200020003" pitchFamily="34" charset="-34"/>
-              </a:rPr>
-              <a:t>แบบ</a:t>
-            </a:r>
-            <a:endParaRPr lang="th-TH" sz="3200" dirty="0" smtClean="0">
-              <a:latin typeface="TH Sarabun New" panose="020B0500040200020003" pitchFamily="34" charset="-34"/>
-              <a:cs typeface="TH Sarabun New" panose="020B0500040200020003" pitchFamily="34" charset="-34"/>
-            </a:endParaRPr>
+              <a:t>จัดทำโมเดลกล่องแบบ</a:t>
+            </a:r>
           </a:p>
         </p:txBody>
       </p:sp>
@@ -8297,16 +8157,12 @@
           <a:p>
             <a:pPr algn="ctr"/>
             <a:r>
-              <a:rPr lang="en-US" b="1" dirty="0" smtClean="0">
+              <a:rPr lang="en-US" b="1" dirty="0">
                 <a:latin typeface="Arial" pitchFamily="34" charset="0"/>
                 <a:cs typeface="Arial" pitchFamily="34" charset="0"/>
               </a:rPr>
               <a:t>13</a:t>
             </a:r>
-            <a:endParaRPr lang="en-US" b="1" dirty="0">
-              <a:latin typeface="Arial" pitchFamily="34" charset="0"/>
-              <a:cs typeface="Arial" pitchFamily="34" charset="0"/>
-            </a:endParaRPr>
           </a:p>
         </p:txBody>
       </p:sp>
@@ -8320,13 +8176,6 @@
   <p:clrMapOvr>
     <a:masterClrMapping/>
   </p:clrMapOvr>
-  <p:timing>
-    <p:tnLst>
-      <p:par>
-        <p:cTn id="1" dur="indefinite" restart="never" nodeType="tmRoot"/>
-      </p:par>
-    </p:tnLst>
-  </p:timing>
 </p:sld>
 </file>
 
@@ -8370,7 +8219,7 @@
           <a:lstStyle/>
           <a:p>
             <a:r>
-              <a:rPr lang="th-TH" sz="2400" b="1" dirty="0" smtClean="0">
+              <a:rPr lang="th-TH" sz="2400" b="1" dirty="0">
                 <a:latin typeface="TH Sarabun New" panose="020B0500040200020003" pitchFamily="34" charset="-34"/>
                 <a:cs typeface="TH Sarabun New" panose="020B0500040200020003" pitchFamily="34" charset="-34"/>
               </a:rPr>
@@ -8404,25 +8253,11 @@
               <a:buNone/>
             </a:pPr>
             <a:r>
-              <a:rPr lang="th-TH" sz="4800" b="1" dirty="0" smtClean="0">
-                <a:latin typeface="TH Sarabun New" panose="020B0500040200020003" pitchFamily="34" charset="-34"/>
-                <a:cs typeface="TH Sarabun New" panose="020B0500040200020003" pitchFamily="34" charset="-34"/>
-              </a:rPr>
-              <a:t>นายเจษฎ</a:t>
-            </a:r>
-            <a:r>
               <a:rPr lang="th-TH" sz="4800" b="1" dirty="0">
                 <a:latin typeface="TH Sarabun New" panose="020B0500040200020003" pitchFamily="34" charset="-34"/>
                 <a:cs typeface="TH Sarabun New" panose="020B0500040200020003" pitchFamily="34" charset="-34"/>
               </a:rPr>
-              <a:t>า</a:t>
-            </a:r>
-            <a:r>
-              <a:rPr lang="th-TH" sz="4800" b="1" dirty="0" smtClean="0">
-                <a:latin typeface="TH Sarabun New" panose="020B0500040200020003" pitchFamily="34" charset="-34"/>
-                <a:cs typeface="TH Sarabun New" panose="020B0500040200020003" pitchFamily="34" charset="-34"/>
-              </a:rPr>
-              <a:t>กร เกิดหนู</a:t>
+              <a:t>นายเจษฎากร เกิดหนู</a:t>
             </a:r>
           </a:p>
           <a:p>
@@ -8430,16 +8265,12 @@
               <a:buNone/>
             </a:pPr>
             <a:r>
-              <a:rPr lang="th-TH" sz="4800" b="1" dirty="0" smtClean="0">
+              <a:rPr lang="th-TH" sz="4800" b="1" dirty="0">
                 <a:latin typeface="TH Sarabun New" panose="020B0500040200020003" pitchFamily="34" charset="-34"/>
                 <a:cs typeface="TH Sarabun New" panose="020B0500040200020003" pitchFamily="34" charset="-34"/>
               </a:rPr>
               <a:t>5835512119</a:t>
             </a:r>
-            <a:endParaRPr lang="th-TH" sz="4800" b="1" dirty="0">
-              <a:latin typeface="TH Sarabun New" panose="020B0500040200020003" pitchFamily="34" charset="-34"/>
-              <a:cs typeface="TH Sarabun New" panose="020B0500040200020003" pitchFamily="34" charset="-34"/>
-            </a:endParaRPr>
           </a:p>
         </p:txBody>
       </p:sp>
@@ -8542,16 +8373,12 @@
           <a:p>
             <a:pPr algn="ctr"/>
             <a:r>
-              <a:rPr lang="en-US" b="1" dirty="0" smtClean="0">
+              <a:rPr lang="en-US" b="1" dirty="0">
                 <a:latin typeface="Arial" pitchFamily="34" charset="0"/>
                 <a:cs typeface="Arial" pitchFamily="34" charset="0"/>
               </a:rPr>
               <a:t>14</a:t>
             </a:r>
-            <a:endParaRPr lang="en-US" b="1" dirty="0">
-              <a:latin typeface="Arial" pitchFamily="34" charset="0"/>
-              <a:cs typeface="Arial" pitchFamily="34" charset="0"/>
-            </a:endParaRPr>
           </a:p>
         </p:txBody>
       </p:sp>
@@ -8565,13 +8392,6 @@
   <p:clrMapOvr>
     <a:masterClrMapping/>
   </p:clrMapOvr>
-  <p:timing>
-    <p:tnLst>
-      <p:par>
-        <p:cTn id="1" dur="indefinite" restart="never" nodeType="tmRoot"/>
-      </p:par>
-    </p:tnLst>
-  </p:timing>
 </p:sld>
 </file>
 
@@ -8610,7 +8430,7 @@
           <a:lstStyle/>
           <a:p>
             <a:r>
-              <a:rPr lang="th-TH" sz="5400" b="1" dirty="0" smtClean="0">
+              <a:rPr lang="th-TH" sz="5400" b="1" dirty="0">
                 <a:latin typeface="TH Sarabun New" panose="020B0500040200020003" pitchFamily="34" charset="-34"/>
                 <a:cs typeface="TH Sarabun New" panose="020B0500040200020003" pitchFamily="34" charset="-34"/>
               </a:rPr>
@@ -8771,7 +8591,7 @@
           <a:lstStyle/>
           <a:p>
             <a:r>
-              <a:rPr lang="th-TH" sz="4000" dirty="0" smtClean="0">
+              <a:rPr lang="th-TH" sz="4000" dirty="0">
                 <a:latin typeface="TH Sarabun New" panose="020B0500040200020003" pitchFamily="34" charset="-34"/>
                 <a:cs typeface="TH Sarabun New" panose="020B0500040200020003" pitchFamily="34" charset="-34"/>
               </a:rPr>
@@ -8780,7 +8600,7 @@
           </a:p>
           <a:p>
             <a:r>
-              <a:rPr lang="th-TH" sz="4000" dirty="0" smtClean="0">
+              <a:rPr lang="th-TH" sz="4000" dirty="0">
                 <a:latin typeface="TH Sarabun New" panose="020B0500040200020003" pitchFamily="34" charset="-34"/>
                 <a:cs typeface="TH Sarabun New" panose="020B0500040200020003" pitchFamily="34" charset="-34"/>
               </a:rPr>
@@ -8789,7 +8609,7 @@
           </a:p>
           <a:p>
             <a:r>
-              <a:rPr lang="th-TH" sz="4000" dirty="0" smtClean="0">
+              <a:rPr lang="th-TH" sz="4000" dirty="0">
                 <a:latin typeface="TH Sarabun New" panose="020B0500040200020003" pitchFamily="34" charset="-34"/>
                 <a:cs typeface="TH Sarabun New" panose="020B0500040200020003" pitchFamily="34" charset="-34"/>
               </a:rPr>
@@ -8808,13 +8628,6 @@
   <p:clrMapOvr>
     <a:masterClrMapping/>
   </p:clrMapOvr>
-  <p:timing>
-    <p:tnLst>
-      <p:par>
-        <p:cTn id="1" dur="indefinite" restart="never" nodeType="tmRoot"/>
-      </p:par>
-    </p:tnLst>
-  </p:timing>
 </p:sld>
 </file>
 
@@ -8862,14 +8675,7 @@
                 <a:latin typeface="TH Sarabun New" panose="020B0500040200020003" pitchFamily="34" charset="-34"/>
                 <a:cs typeface="TH Sarabun New" panose="020B0500040200020003" pitchFamily="34" charset="-34"/>
               </a:rPr>
-              <a:t>รายละเอียดการ</a:t>
-            </a:r>
-            <a:r>
-              <a:rPr lang="th-TH" sz="5400" b="1" dirty="0" smtClean="0">
-                <a:latin typeface="TH Sarabun New" panose="020B0500040200020003" pitchFamily="34" charset="-34"/>
-                <a:cs typeface="TH Sarabun New" panose="020B0500040200020003" pitchFamily="34" charset="-34"/>
-              </a:rPr>
-              <a:t>ดำเนินงาน</a:t>
+              <a:t>รายละเอียดการดำเนินงาน</a:t>
             </a:r>
             <a:endParaRPr lang="en-US" sz="5400" b="1" dirty="0">
               <a:latin typeface="TH Sarabun New" panose="020B0500040200020003" pitchFamily="34" charset="-34"/>
@@ -8922,7 +8728,7 @@
           <a:lstStyle/>
           <a:p>
             <a:r>
-              <a:rPr lang="en-US" sz="3200" dirty="0" smtClean="0">
+              <a:rPr lang="en-US" sz="3200" dirty="0">
                 <a:latin typeface="TH Sarabun New" panose="020B0500040200020003" pitchFamily="34" charset="-34"/>
                 <a:cs typeface="TH Sarabun New" panose="020B0500040200020003" pitchFamily="34" charset="-34"/>
               </a:rPr>
@@ -8931,7 +8737,7 @@
           </a:p>
           <a:p>
             <a:r>
-              <a:rPr lang="en-US" sz="3200" dirty="0" smtClean="0">
+              <a:rPr lang="en-US" sz="3200" dirty="0">
                 <a:latin typeface="TH Sarabun New" panose="020B0500040200020003" pitchFamily="34" charset="-34"/>
                 <a:cs typeface="TH Sarabun New" panose="020B0500040200020003" pitchFamily="34" charset="-34"/>
               </a:rPr>
@@ -8940,33 +8746,33 @@
           </a:p>
           <a:p>
             <a:r>
-              <a:rPr lang="th-TH" sz="3200" dirty="0" smtClean="0">
+              <a:rPr lang="th-TH" sz="3200" dirty="0">
                 <a:latin typeface="TH Sarabun New" panose="020B0500040200020003" pitchFamily="34" charset="-34"/>
                 <a:cs typeface="TH Sarabun New" panose="020B0500040200020003" pitchFamily="34" charset="-34"/>
               </a:rPr>
               <a:t>ทิศทางข้อมูล</a:t>
             </a:r>
-            <a:endParaRPr lang="en-US" sz="3200" dirty="0" smtClean="0">
+            <a:endParaRPr lang="en-US" sz="3200" dirty="0">
               <a:latin typeface="TH Sarabun New" panose="020B0500040200020003" pitchFamily="34" charset="-34"/>
               <a:cs typeface="TH Sarabun New" panose="020B0500040200020003" pitchFamily="34" charset="-34"/>
             </a:endParaRPr>
           </a:p>
           <a:p>
             <a:r>
-              <a:rPr lang="th-TH" sz="3200" dirty="0" smtClean="0">
+              <a:rPr lang="th-TH" sz="3200" dirty="0">
                 <a:latin typeface="TH Sarabun New" panose="020B0500040200020003" pitchFamily="34" charset="-34"/>
                 <a:cs typeface="TH Sarabun New" panose="020B0500040200020003" pitchFamily="34" charset="-34"/>
               </a:rPr>
               <a:t>จุดเด่น</a:t>
             </a:r>
-            <a:endParaRPr lang="en-US" sz="3200" dirty="0" smtClean="0">
+            <a:endParaRPr lang="en-US" sz="3200" dirty="0">
               <a:latin typeface="TH Sarabun New" panose="020B0500040200020003" pitchFamily="34" charset="-34"/>
               <a:cs typeface="TH Sarabun New" panose="020B0500040200020003" pitchFamily="34" charset="-34"/>
             </a:endParaRPr>
           </a:p>
           <a:p>
             <a:r>
-              <a:rPr lang="th-TH" sz="3200" dirty="0" smtClean="0">
+              <a:rPr lang="th-TH" sz="3200" dirty="0">
                 <a:latin typeface="TH Sarabun New" panose="020B0500040200020003" pitchFamily="34" charset="-34"/>
                 <a:cs typeface="TH Sarabun New" panose="020B0500040200020003" pitchFamily="34" charset="-34"/>
               </a:rPr>
@@ -8975,7 +8781,7 @@
           </a:p>
           <a:p>
             <a:r>
-              <a:rPr lang="th-TH" sz="3200" dirty="0" smtClean="0">
+              <a:rPr lang="th-TH" sz="3200" dirty="0">
                 <a:latin typeface="TH Sarabun New" panose="020B0500040200020003" pitchFamily="34" charset="-34"/>
                 <a:cs typeface="TH Sarabun New" panose="020B0500040200020003" pitchFamily="34" charset="-34"/>
               </a:rPr>
@@ -8994,13 +8800,6 @@
   <p:clrMapOvr>
     <a:masterClrMapping/>
   </p:clrMapOvr>
-  <p:timing>
-    <p:tnLst>
-      <p:par>
-        <p:cTn id="1" dur="indefinite" restart="never" nodeType="tmRoot"/>
-      </p:par>
-    </p:tnLst>
-  </p:timing>
 </p:sld>
 </file>
 
@@ -9039,16 +8838,12 @@
           <a:lstStyle/>
           <a:p>
             <a:r>
-              <a:rPr lang="en-US" sz="4400" b="1" dirty="0" smtClean="0">
+              <a:rPr lang="en-US" sz="4400" b="1" dirty="0">
                 <a:latin typeface="TH Sarabun New" panose="020B0500040200020003" pitchFamily="34" charset="-34"/>
                 <a:cs typeface="TH Sarabun New" panose="020B0500040200020003" pitchFamily="34" charset="-34"/>
               </a:rPr>
               <a:t>Flow Chart</a:t>
             </a:r>
-            <a:endParaRPr lang="en-US" sz="4400" b="1" dirty="0">
-              <a:latin typeface="TH Sarabun New" panose="020B0500040200020003" pitchFamily="34" charset="-34"/>
-              <a:cs typeface="TH Sarabun New" panose="020B0500040200020003" pitchFamily="34" charset="-34"/>
-            </a:endParaRPr>
           </a:p>
         </p:txBody>
       </p:sp>
@@ -9192,13 +8987,6 @@
   <p:clrMapOvr>
     <a:masterClrMapping/>
   </p:clrMapOvr>
-  <p:timing>
-    <p:tnLst>
-      <p:par>
-        <p:cTn id="1" dur="indefinite" restart="never" nodeType="tmRoot"/>
-      </p:par>
-    </p:tnLst>
-  </p:timing>
 </p:sld>
 </file>
 
@@ -9242,16 +9030,12 @@
           <a:lstStyle/>
           <a:p>
             <a:r>
-              <a:rPr lang="en-US" sz="4400" b="1" dirty="0" smtClean="0">
+              <a:rPr lang="en-US" sz="4400" b="1" dirty="0">
                 <a:latin typeface="TH Sarabun New" panose="020B0500040200020003" pitchFamily="34" charset="-34"/>
                 <a:cs typeface="TH Sarabun New" panose="020B0500040200020003" pitchFamily="34" charset="-34"/>
               </a:rPr>
               <a:t>network</a:t>
             </a:r>
-            <a:endParaRPr lang="en-US" sz="4400" b="1" dirty="0">
-              <a:latin typeface="TH Sarabun New" panose="020B0500040200020003" pitchFamily="34" charset="-34"/>
-              <a:cs typeface="TH Sarabun New" panose="020B0500040200020003" pitchFamily="34" charset="-34"/>
-            </a:endParaRPr>
           </a:p>
         </p:txBody>
       </p:sp>
@@ -9354,16 +9138,12 @@
           <a:p>
             <a:pPr algn="ctr"/>
             <a:r>
-              <a:rPr lang="en-US" b="1" dirty="0" smtClean="0">
+              <a:rPr lang="en-US" b="1" dirty="0">
                 <a:latin typeface="Arial" pitchFamily="34" charset="0"/>
                 <a:cs typeface="Arial" pitchFamily="34" charset="0"/>
               </a:rPr>
               <a:t>2</a:t>
             </a:r>
-            <a:endParaRPr lang="en-US" b="1" dirty="0">
-              <a:latin typeface="Arial" pitchFamily="34" charset="0"/>
-              <a:cs typeface="Arial" pitchFamily="34" charset="0"/>
-            </a:endParaRPr>
           </a:p>
         </p:txBody>
       </p:sp>
@@ -9399,13 +9179,6 @@
   <p:clrMapOvr>
     <a:masterClrMapping/>
   </p:clrMapOvr>
-  <p:timing>
-    <p:tnLst>
-      <p:par>
-        <p:cTn id="1" dur="indefinite" restart="never" nodeType="tmRoot"/>
-      </p:par>
-    </p:tnLst>
-  </p:timing>
 </p:sld>
 </file>
 
@@ -9449,7 +9222,7 @@
           <a:lstStyle/>
           <a:p>
             <a:r>
-              <a:rPr lang="th-TH" sz="4400" b="1" dirty="0" smtClean="0">
+              <a:rPr lang="th-TH" sz="4400" b="1" dirty="0">
                 <a:latin typeface="TH Sarabun New" panose="020B0500040200020003" pitchFamily="34" charset="-34"/>
                 <a:cs typeface="TH Sarabun New" panose="020B0500040200020003" pitchFamily="34" charset="-34"/>
               </a:rPr>
@@ -9602,13 +9375,6 @@
   <p:clrMapOvr>
     <a:masterClrMapping/>
   </p:clrMapOvr>
-  <p:timing>
-    <p:tnLst>
-      <p:par>
-        <p:cTn id="1" dur="indefinite" restart="never" nodeType="tmRoot"/>
-      </p:par>
-    </p:tnLst>
-  </p:timing>
 </p:sld>
 </file>
 
@@ -9652,7 +9418,7 @@
           <a:lstStyle/>
           <a:p>
             <a:r>
-              <a:rPr lang="th-TH" sz="4400" b="1" dirty="0" smtClean="0">
+              <a:rPr lang="th-TH" sz="4400" b="1" dirty="0">
                 <a:latin typeface="Angsana New" panose="02020603050405020304" pitchFamily="18" charset="-34"/>
                 <a:cs typeface="Angsana New" panose="02020603050405020304" pitchFamily="18" charset="-34"/>
               </a:rPr>
@@ -9764,16 +9530,12 @@
           <a:p>
             <a:pPr algn="ctr"/>
             <a:r>
-              <a:rPr lang="en-US" b="1" dirty="0" smtClean="0">
+              <a:rPr lang="en-US" b="1" dirty="0">
                 <a:latin typeface="Arial" pitchFamily="34" charset="0"/>
                 <a:cs typeface="Arial" pitchFamily="34" charset="0"/>
               </a:rPr>
               <a:t>4</a:t>
             </a:r>
-            <a:endParaRPr lang="en-US" b="1" dirty="0">
-              <a:latin typeface="Arial" pitchFamily="34" charset="0"/>
-              <a:cs typeface="Arial" pitchFamily="34" charset="0"/>
-            </a:endParaRPr>
           </a:p>
         </p:txBody>
       </p:sp>
@@ -9793,7 +9555,7 @@
         </p:nvGraphicFramePr>
         <p:xfrm>
           <a:off x="2102806" y="750093"/>
-          <a:ext cx="7556269" cy="5767963"/>
+          <a:ext cx="7556269" cy="5861914"/>
         </p:xfrm>
         <a:graphic>
           <a:graphicData uri="http://schemas.openxmlformats.org/drawingml/2006/table">
@@ -10800,13 +10562,6 @@
   <p:clrMapOvr>
     <a:masterClrMapping/>
   </p:clrMapOvr>
-  <p:timing>
-    <p:tnLst>
-      <p:par>
-        <p:cTn id="1" dur="indefinite" restart="never" nodeType="tmRoot"/>
-      </p:par>
-    </p:tnLst>
-  </p:timing>
 </p:sld>
 </file>
 
@@ -10850,16 +10605,12 @@
           <a:lstStyle/>
           <a:p>
             <a:r>
-              <a:rPr lang="en-US" sz="4400" b="1" dirty="0" smtClean="0">
+              <a:rPr lang="en-US" sz="4400" b="1" dirty="0">
                 <a:latin typeface="Angsana New" panose="02020603050405020304" pitchFamily="18" charset="-34"/>
                 <a:cs typeface="Angsana New" panose="02020603050405020304" pitchFamily="18" charset="-34"/>
               </a:rPr>
               <a:t>Website Control</a:t>
             </a:r>
-            <a:endParaRPr lang="en-US" sz="4400" b="1" dirty="0">
-              <a:latin typeface="Angsana New" panose="02020603050405020304" pitchFamily="18" charset="-34"/>
-              <a:cs typeface="Angsana New" panose="02020603050405020304" pitchFamily="18" charset="-34"/>
-            </a:endParaRPr>
           </a:p>
         </p:txBody>
       </p:sp>
@@ -10962,16 +10713,12 @@
           <a:p>
             <a:pPr algn="ctr"/>
             <a:r>
-              <a:rPr lang="en-US" b="1" dirty="0" smtClean="0">
+              <a:rPr lang="en-US" b="1" dirty="0">
                 <a:latin typeface="Arial" pitchFamily="34" charset="0"/>
                 <a:cs typeface="Arial" pitchFamily="34" charset="0"/>
               </a:rPr>
               <a:t>5</a:t>
             </a:r>
-            <a:endParaRPr lang="en-US" b="1" dirty="0">
-              <a:latin typeface="Arial" pitchFamily="34" charset="0"/>
-              <a:cs typeface="Arial" pitchFamily="34" charset="0"/>
-            </a:endParaRPr>
           </a:p>
         </p:txBody>
       </p:sp>
@@ -11081,13 +10828,6 @@
   <p:clrMapOvr>
     <a:masterClrMapping/>
   </p:clrMapOvr>
-  <p:timing>
-    <p:tnLst>
-      <p:par>
-        <p:cTn id="1" dur="indefinite" restart="never" nodeType="tmRoot"/>
-      </p:par>
-    </p:tnLst>
-  </p:timing>
 </p:sld>
 </file>
 
@@ -11126,23 +10866,19 @@
           <a:lstStyle/>
           <a:p>
             <a:r>
-              <a:rPr lang="en-US" sz="4400" b="1" dirty="0" err="1" smtClean="0">
+              <a:rPr lang="en-US" sz="4400" b="1" dirty="0" err="1">
                 <a:latin typeface="TH Sarabun New" panose="020B0500040200020003" pitchFamily="34" charset="-34"/>
                 <a:cs typeface="TH Sarabun New" panose="020B0500040200020003" pitchFamily="34" charset="-34"/>
               </a:rPr>
               <a:t>AnaLOG</a:t>
             </a:r>
             <a:r>
-              <a:rPr lang="en-US" sz="4400" b="1" dirty="0" smtClean="0">
+              <a:rPr lang="en-US" sz="4400" b="1" dirty="0">
                 <a:latin typeface="TH Sarabun New" panose="020B0500040200020003" pitchFamily="34" charset="-34"/>
                 <a:cs typeface="TH Sarabun New" panose="020B0500040200020003" pitchFamily="34" charset="-34"/>
               </a:rPr>
               <a:t> IN</a:t>
             </a:r>
-            <a:endParaRPr lang="en-US" sz="4400" b="1" dirty="0">
-              <a:latin typeface="TH Sarabun New" panose="020B0500040200020003" pitchFamily="34" charset="-34"/>
-              <a:cs typeface="TH Sarabun New" panose="020B0500040200020003" pitchFamily="34" charset="-34"/>
-            </a:endParaRPr>
           </a:p>
         </p:txBody>
       </p:sp>
@@ -11327,13 +11063,6 @@
   <p:clrMapOvr>
     <a:masterClrMapping/>
   </p:clrMapOvr>
-  <p:timing>
-    <p:tnLst>
-      <p:par>
-        <p:cTn id="1" dur="indefinite" restart="never" nodeType="tmRoot"/>
-      </p:par>
-    </p:tnLst>
-  </p:timing>
 </p:sld>
 </file>
 
